--- a/docs/DataStructures.pptx
+++ b/docs/DataStructures.pptx
@@ -108,6 +108,11 @@
       </a:defRPr>
     </a:lvl9pPr>
   </p:defaultTextStyle>
+  <p:extLst>
+    <p:ext uri="{EFAFB233-063F-42B5-8137-9DF3F51BA10A}">
+      <p15:sldGuideLst xmlns:p15="http://schemas.microsoft.com/office/powerpoint/2012/main"/>
+    </p:ext>
+  </p:extLst>
 </p:presentation>
 </file>
 
@@ -193,7 +198,7 @@
           <a:p>
             <a:fld id="{BAB54B38-D99C-4807-B5C8-AF6D3E7E7C45}" type="datetimeFigureOut">
               <a:rPr lang="en-US" smtClean="0"/>
-              <a:t>3/20/2019</a:t>
+              <a:t>3/21/2019</a:t>
             </a:fld>
             <a:endParaRPr lang="en-US"/>
           </a:p>
@@ -781,7 +786,7 @@
           <a:p>
             <a:fld id="{D2B8A87A-421E-4F15-AD00-907E96ADD88E}" type="datetimeFigureOut">
               <a:rPr lang="en-US" smtClean="0"/>
-              <a:t>3/20/2019</a:t>
+              <a:t>3/21/2019</a:t>
             </a:fld>
             <a:endParaRPr lang="en-US"/>
           </a:p>
@@ -979,7 +984,7 @@
           <a:p>
             <a:fld id="{D2B8A87A-421E-4F15-AD00-907E96ADD88E}" type="datetimeFigureOut">
               <a:rPr lang="en-US" smtClean="0"/>
-              <a:t>3/20/2019</a:t>
+              <a:t>3/21/2019</a:t>
             </a:fld>
             <a:endParaRPr lang="en-US"/>
           </a:p>
@@ -1187,7 +1192,7 @@
           <a:p>
             <a:fld id="{D2B8A87A-421E-4F15-AD00-907E96ADD88E}" type="datetimeFigureOut">
               <a:rPr lang="en-US" smtClean="0"/>
-              <a:t>3/20/2019</a:t>
+              <a:t>3/21/2019</a:t>
             </a:fld>
             <a:endParaRPr lang="en-US"/>
           </a:p>
@@ -1385,7 +1390,7 @@
           <a:p>
             <a:fld id="{D2B8A87A-421E-4F15-AD00-907E96ADD88E}" type="datetimeFigureOut">
               <a:rPr lang="en-US" smtClean="0"/>
-              <a:t>3/20/2019</a:t>
+              <a:t>3/21/2019</a:t>
             </a:fld>
             <a:endParaRPr lang="en-US"/>
           </a:p>
@@ -1660,7 +1665,7 @@
           <a:p>
             <a:fld id="{D2B8A87A-421E-4F15-AD00-907E96ADD88E}" type="datetimeFigureOut">
               <a:rPr lang="en-US" smtClean="0"/>
-              <a:t>3/20/2019</a:t>
+              <a:t>3/21/2019</a:t>
             </a:fld>
             <a:endParaRPr lang="en-US"/>
           </a:p>
@@ -1925,7 +1930,7 @@
           <a:p>
             <a:fld id="{D2B8A87A-421E-4F15-AD00-907E96ADD88E}" type="datetimeFigureOut">
               <a:rPr lang="en-US" smtClean="0"/>
-              <a:t>3/20/2019</a:t>
+              <a:t>3/21/2019</a:t>
             </a:fld>
             <a:endParaRPr lang="en-US"/>
           </a:p>
@@ -2337,7 +2342,7 @@
           <a:p>
             <a:fld id="{D2B8A87A-421E-4F15-AD00-907E96ADD88E}" type="datetimeFigureOut">
               <a:rPr lang="en-US" smtClean="0"/>
-              <a:t>3/20/2019</a:t>
+              <a:t>3/21/2019</a:t>
             </a:fld>
             <a:endParaRPr lang="en-US"/>
           </a:p>
@@ -2478,7 +2483,7 @@
           <a:p>
             <a:fld id="{D2B8A87A-421E-4F15-AD00-907E96ADD88E}" type="datetimeFigureOut">
               <a:rPr lang="en-US" smtClean="0"/>
-              <a:t>3/20/2019</a:t>
+              <a:t>3/21/2019</a:t>
             </a:fld>
             <a:endParaRPr lang="en-US"/>
           </a:p>
@@ -2591,7 +2596,7 @@
           <a:p>
             <a:fld id="{D2B8A87A-421E-4F15-AD00-907E96ADD88E}" type="datetimeFigureOut">
               <a:rPr lang="en-US" smtClean="0"/>
-              <a:t>3/20/2019</a:t>
+              <a:t>3/21/2019</a:t>
             </a:fld>
             <a:endParaRPr lang="en-US"/>
           </a:p>
@@ -2902,7 +2907,7 @@
           <a:p>
             <a:fld id="{D2B8A87A-421E-4F15-AD00-907E96ADD88E}" type="datetimeFigureOut">
               <a:rPr lang="en-US" smtClean="0"/>
-              <a:t>3/20/2019</a:t>
+              <a:t>3/21/2019</a:t>
             </a:fld>
             <a:endParaRPr lang="en-US"/>
           </a:p>
@@ -3190,7 +3195,7 @@
           <a:p>
             <a:fld id="{D2B8A87A-421E-4F15-AD00-907E96ADD88E}" type="datetimeFigureOut">
               <a:rPr lang="en-US" smtClean="0"/>
-              <a:t>3/20/2019</a:t>
+              <a:t>3/21/2019</a:t>
             </a:fld>
             <a:endParaRPr lang="en-US"/>
           </a:p>
@@ -3431,7 +3436,7 @@
           <a:p>
             <a:fld id="{D2B8A87A-421E-4F15-AD00-907E96ADD88E}" type="datetimeFigureOut">
               <a:rPr lang="en-US" smtClean="0"/>
-              <a:t>3/20/2019</a:t>
+              <a:t>3/21/2019</a:t>
             </a:fld>
             <a:endParaRPr lang="en-US"/>
           </a:p>
@@ -3946,98 +3951,6 @@
           </a:p>
         </p:txBody>
       </p:sp>
-      <p:sp>
-        <p:nvSpPr>
-          <p:cNvPr id="7" name="Rectangle: Rounded Corners 6">
-            <a:extLst>
-              <a:ext uri="{FF2B5EF4-FFF2-40B4-BE49-F238E27FC236}">
-                <a16:creationId xmlns:a16="http://schemas.microsoft.com/office/drawing/2014/main" id="{284F9E60-A90C-4A7F-B91C-384149FAF3CF}"/>
-              </a:ext>
-            </a:extLst>
-          </p:cNvPr>
-          <p:cNvSpPr/>
-          <p:nvPr/>
-        </p:nvSpPr>
-        <p:spPr>
-          <a:xfrm>
-            <a:off x="1492932" y="4009381"/>
-            <a:ext cx="2334085" cy="692458"/>
-          </a:xfrm>
-          <a:prstGeom prst="roundRect">
-            <a:avLst/>
-          </a:prstGeom>
-        </p:spPr>
-        <p:style>
-          <a:lnRef idx="2">
-            <a:schemeClr val="accent6">
-              <a:shade val="50000"/>
-            </a:schemeClr>
-          </a:lnRef>
-          <a:fillRef idx="1">
-            <a:schemeClr val="accent6"/>
-          </a:fillRef>
-          <a:effectRef idx="0">
-            <a:schemeClr val="accent6"/>
-          </a:effectRef>
-          <a:fontRef idx="minor">
-            <a:schemeClr val="lt1"/>
-          </a:fontRef>
-        </p:style>
-        <p:txBody>
-          <a:bodyPr rtlCol="0" anchor="ctr"/>
-          <a:lstStyle/>
-          <a:p>
-            <a:pPr algn="ctr"/>
-            <a:r>
-              <a:rPr lang="en-US" dirty="0"/>
-              <a:t>Configuration (object)</a:t>
-            </a:r>
-          </a:p>
-        </p:txBody>
-      </p:sp>
-      <p:cxnSp>
-        <p:nvCxnSpPr>
-          <p:cNvPr id="11" name="Connector: Elbow 10">
-            <a:extLst>
-              <a:ext uri="{FF2B5EF4-FFF2-40B4-BE49-F238E27FC236}">
-                <a16:creationId xmlns:a16="http://schemas.microsoft.com/office/drawing/2014/main" id="{49A7FF6A-3BD9-42CE-A3F2-C455B3A4B316}"/>
-              </a:ext>
-            </a:extLst>
-          </p:cNvPr>
-          <p:cNvCxnSpPr>
-            <a:cxnSpLocks/>
-            <a:stCxn id="4" idx="2"/>
-            <a:endCxn id="7" idx="1"/>
-          </p:cNvCxnSpPr>
-          <p:nvPr/>
-        </p:nvCxnSpPr>
-        <p:spPr>
-          <a:xfrm rot="16200000" flipH="1">
-            <a:off x="-422614" y="2440063"/>
-            <a:ext cx="3554401" cy="276691"/>
-          </a:xfrm>
-          <a:prstGeom prst="bentConnector2">
-            <a:avLst/>
-          </a:prstGeom>
-          <a:ln>
-            <a:tailEnd type="triangle"/>
-          </a:ln>
-        </p:spPr>
-        <p:style>
-          <a:lnRef idx="1">
-            <a:schemeClr val="accent5"/>
-          </a:lnRef>
-          <a:fillRef idx="0">
-            <a:schemeClr val="accent5"/>
-          </a:fillRef>
-          <a:effectRef idx="0">
-            <a:schemeClr val="accent5"/>
-          </a:effectRef>
-          <a:fontRef idx="minor">
-            <a:schemeClr val="tx1"/>
-          </a:fontRef>
-        </p:style>
-      </p:cxnSp>
       <p:cxnSp>
         <p:nvCxnSpPr>
           <p:cNvPr id="13" name="Connector: Elbow 12">
@@ -4193,7 +4106,7 @@
         </p:nvSpPr>
         <p:spPr>
           <a:xfrm>
-            <a:off x="6800664" y="923277"/>
+            <a:off x="6768112" y="1873187"/>
             <a:ext cx="2379216" cy="692458"/>
           </a:xfrm>
           <a:prstGeom prst="roundRect">
@@ -4285,7 +4198,7 @@
         </p:nvSpPr>
         <p:spPr>
           <a:xfrm>
-            <a:off x="6769963" y="2818660"/>
+            <a:off x="6768113" y="3714202"/>
             <a:ext cx="2379216" cy="688023"/>
           </a:xfrm>
           <a:prstGeom prst="roundRect">
@@ -4334,7 +4247,7 @@
         </p:nvSpPr>
         <p:spPr>
           <a:xfrm>
-            <a:off x="6769963" y="1873186"/>
+            <a:off x="6768113" y="2795912"/>
             <a:ext cx="2379216" cy="688023"/>
           </a:xfrm>
           <a:prstGeom prst="roundRect">
@@ -4414,91 +4327,6 @@
       </p:cxnSp>
       <p:cxnSp>
         <p:nvCxnSpPr>
-          <p:cNvPr id="75" name="Straight Arrow Connector 74">
-            <a:extLst>
-              <a:ext uri="{FF2B5EF4-FFF2-40B4-BE49-F238E27FC236}">
-                <a16:creationId xmlns:a16="http://schemas.microsoft.com/office/drawing/2014/main" id="{F42D7F1E-142D-42BE-8B55-1C8F026E4D66}"/>
-              </a:ext>
-            </a:extLst>
-          </p:cNvPr>
-          <p:cNvCxnSpPr>
-            <a:cxnSpLocks/>
-            <a:stCxn id="21" idx="3"/>
-            <a:endCxn id="45" idx="1"/>
-          </p:cNvCxnSpPr>
-          <p:nvPr/>
-        </p:nvCxnSpPr>
-        <p:spPr>
-          <a:xfrm flipV="1">
-            <a:off x="6488098" y="2217198"/>
-            <a:ext cx="281865" cy="2219"/>
-          </a:xfrm>
-          <a:prstGeom prst="straightConnector1">
-            <a:avLst/>
-          </a:prstGeom>
-          <a:ln>
-            <a:tailEnd type="triangle"/>
-          </a:ln>
-        </p:spPr>
-        <p:style>
-          <a:lnRef idx="1">
-            <a:schemeClr val="accent6"/>
-          </a:lnRef>
-          <a:fillRef idx="0">
-            <a:schemeClr val="accent6"/>
-          </a:fillRef>
-          <a:effectRef idx="0">
-            <a:schemeClr val="accent6"/>
-          </a:effectRef>
-          <a:fontRef idx="minor">
-            <a:schemeClr val="tx1"/>
-          </a:fontRef>
-        </p:style>
-      </p:cxnSp>
-      <p:cxnSp>
-        <p:nvCxnSpPr>
-          <p:cNvPr id="103" name="Connector: Elbow 102">
-            <a:extLst>
-              <a:ext uri="{FF2B5EF4-FFF2-40B4-BE49-F238E27FC236}">
-                <a16:creationId xmlns:a16="http://schemas.microsoft.com/office/drawing/2014/main" id="{A9A606FC-C0C7-4E65-B7B5-655932CBED59}"/>
-              </a:ext>
-            </a:extLst>
-          </p:cNvPr>
-          <p:cNvCxnSpPr>
-            <a:stCxn id="21" idx="0"/>
-            <a:endCxn id="32" idx="1"/>
-          </p:cNvCxnSpPr>
-          <p:nvPr/>
-        </p:nvCxnSpPr>
-        <p:spPr>
-          <a:xfrm rot="5400000" flipH="1" flipV="1">
-            <a:off x="5747737" y="820260"/>
-            <a:ext cx="603681" cy="1502174"/>
-          </a:xfrm>
-          <a:prstGeom prst="bentConnector2">
-            <a:avLst/>
-          </a:prstGeom>
-          <a:ln>
-            <a:tailEnd type="triangle"/>
-          </a:ln>
-        </p:spPr>
-        <p:style>
-          <a:lnRef idx="1">
-            <a:schemeClr val="accent6"/>
-          </a:lnRef>
-          <a:fillRef idx="0">
-            <a:schemeClr val="accent6"/>
-          </a:fillRef>
-          <a:effectRef idx="0">
-            <a:schemeClr val="accent6"/>
-          </a:effectRef>
-          <a:fontRef idx="minor">
-            <a:schemeClr val="tx1"/>
-          </a:fontRef>
-        </p:style>
-      </p:cxnSp>
-      <p:cxnSp>
-        <p:nvCxnSpPr>
           <p:cNvPr id="132" name="Straight Arrow Connector 131">
             <a:extLst>
               <a:ext uri="{FF2B5EF4-FFF2-40B4-BE49-F238E27FC236}">
@@ -4515,8 +4343,8 @@
         </p:nvCxnSpPr>
         <p:spPr>
           <a:xfrm>
-            <a:off x="7959571" y="2561209"/>
-            <a:ext cx="0" cy="257451"/>
+            <a:off x="7957721" y="3483935"/>
+            <a:ext cx="0" cy="230267"/>
           </a:xfrm>
           <a:prstGeom prst="straightConnector1">
             <a:avLst/>
@@ -4554,7 +4382,7 @@
         </p:nvSpPr>
         <p:spPr>
           <a:xfrm>
-            <a:off x="9430303" y="2375883"/>
+            <a:off x="9427345" y="3255056"/>
             <a:ext cx="2379216" cy="688023"/>
           </a:xfrm>
           <a:prstGeom prst="roundRect">
@@ -4603,7 +4431,7 @@
         </p:nvSpPr>
         <p:spPr>
           <a:xfrm>
-            <a:off x="9430303" y="3321358"/>
+            <a:off x="9430303" y="4173347"/>
             <a:ext cx="2379216" cy="688023"/>
           </a:xfrm>
           <a:prstGeom prst="roundRect">
@@ -4633,7 +4461,7 @@
             <a:pPr algn="ctr"/>
             <a:r>
               <a:rPr lang="en-US" dirty="0"/>
-              <a:t>Slide (integer)</a:t>
+              <a:t>Progress (integer)</a:t>
             </a:r>
           </a:p>
         </p:txBody>
@@ -4655,8 +4483,8 @@
         </p:nvCxnSpPr>
         <p:spPr>
           <a:xfrm flipV="1">
-            <a:off x="9149179" y="2719895"/>
-            <a:ext cx="281124" cy="442777"/>
+            <a:off x="9147329" y="3599068"/>
+            <a:ext cx="280016" cy="459146"/>
           </a:xfrm>
           <a:prstGeom prst="bentConnector3">
             <a:avLst/>
@@ -4697,382 +4525,13 @@
         </p:nvCxnSpPr>
         <p:spPr>
           <a:xfrm>
-            <a:off x="9149179" y="3162672"/>
-            <a:ext cx="281124" cy="502698"/>
+            <a:off x="9147329" y="4058214"/>
+            <a:ext cx="282974" cy="459145"/>
           </a:xfrm>
           <a:prstGeom prst="bentConnector3">
-            <a:avLst/>
-          </a:prstGeom>
-          <a:ln>
-            <a:tailEnd type="triangle"/>
-          </a:ln>
-        </p:spPr>
-        <p:style>
-          <a:lnRef idx="1">
-            <a:schemeClr val="accent6"/>
-          </a:lnRef>
-          <a:fillRef idx="0">
-            <a:schemeClr val="accent6"/>
-          </a:fillRef>
-          <a:effectRef idx="0">
-            <a:schemeClr val="accent6"/>
-          </a:effectRef>
-          <a:fontRef idx="minor">
-            <a:schemeClr val="tx1"/>
-          </a:fontRef>
-        </p:style>
-      </p:cxnSp>
-      <p:sp>
-        <p:nvSpPr>
-          <p:cNvPr id="182" name="Rectangle: Rounded Corners 181">
-            <a:extLst>
-              <a:ext uri="{FF2B5EF4-FFF2-40B4-BE49-F238E27FC236}">
-                <a16:creationId xmlns:a16="http://schemas.microsoft.com/office/drawing/2014/main" id="{71CF34DA-E8B0-427E-89A6-73A118207356}"/>
-              </a:ext>
-            </a:extLst>
-          </p:cNvPr>
-          <p:cNvSpPr/>
-          <p:nvPr/>
-        </p:nvSpPr>
-        <p:spPr>
-          <a:xfrm>
-            <a:off x="4108882" y="4896035"/>
-            <a:ext cx="2379216" cy="692459"/>
-          </a:xfrm>
-          <a:prstGeom prst="roundRect">
-            <a:avLst/>
-          </a:prstGeom>
-        </p:spPr>
-        <p:style>
-          <a:lnRef idx="2">
-            <a:schemeClr val="accent6">
-              <a:shade val="50000"/>
-            </a:schemeClr>
-          </a:lnRef>
-          <a:fillRef idx="1">
-            <a:schemeClr val="accent6"/>
-          </a:fillRef>
-          <a:effectRef idx="0">
-            <a:schemeClr val="accent6"/>
-          </a:effectRef>
-          <a:fontRef idx="minor">
-            <a:schemeClr val="lt1"/>
-          </a:fontRef>
-        </p:style>
-        <p:txBody>
-          <a:bodyPr rtlCol="0" anchor="ctr"/>
-          <a:lstStyle/>
-          <a:p>
-            <a:pPr algn="ctr"/>
-            <a:r>
-              <a:rPr lang="en-US" dirty="0"/>
-              <a:t>Configuration Object</a:t>
-            </a:r>
-          </a:p>
-        </p:txBody>
-      </p:sp>
-      <p:sp>
-        <p:nvSpPr>
-          <p:cNvPr id="187" name="Rectangle: Rounded Corners 186">
-            <a:extLst>
-              <a:ext uri="{FF2B5EF4-FFF2-40B4-BE49-F238E27FC236}">
-                <a16:creationId xmlns:a16="http://schemas.microsoft.com/office/drawing/2014/main" id="{E9A1BBDD-799C-4DB2-9402-CE52CE79526C}"/>
-              </a:ext>
-            </a:extLst>
-          </p:cNvPr>
-          <p:cNvSpPr/>
-          <p:nvPr/>
-        </p:nvSpPr>
-        <p:spPr>
-          <a:xfrm>
-            <a:off x="1492931" y="4891598"/>
-            <a:ext cx="2334085" cy="692458"/>
-          </a:xfrm>
-          <a:prstGeom prst="roundRect">
-            <a:avLst/>
-          </a:prstGeom>
-        </p:spPr>
-        <p:style>
-          <a:lnRef idx="2">
-            <a:schemeClr val="accent1">
-              <a:shade val="50000"/>
-            </a:schemeClr>
-          </a:lnRef>
-          <a:fillRef idx="1">
-            <a:schemeClr val="accent1"/>
-          </a:fillRef>
-          <a:effectRef idx="0">
-            <a:schemeClr val="accent1"/>
-          </a:effectRef>
-          <a:fontRef idx="minor">
-            <a:schemeClr val="lt1"/>
-          </a:fontRef>
-        </p:style>
-        <p:txBody>
-          <a:bodyPr rtlCol="0" anchor="ctr"/>
-          <a:lstStyle/>
-          <a:p>
-            <a:pPr algn="ctr"/>
-            <a:r>
-              <a:rPr lang="en-US" dirty="0"/>
-              <a:t>Option ID</a:t>
-            </a:r>
-          </a:p>
-        </p:txBody>
-      </p:sp>
-      <p:cxnSp>
-        <p:nvCxnSpPr>
-          <p:cNvPr id="189" name="Straight Arrow Connector 188">
-            <a:extLst>
-              <a:ext uri="{FF2B5EF4-FFF2-40B4-BE49-F238E27FC236}">
-                <a16:creationId xmlns:a16="http://schemas.microsoft.com/office/drawing/2014/main" id="{7B8CA6EC-06A7-4D8D-B991-045DEEE98E04}"/>
-              </a:ext>
-            </a:extLst>
-          </p:cNvPr>
-          <p:cNvCxnSpPr>
-            <a:stCxn id="7" idx="2"/>
-            <a:endCxn id="187" idx="0"/>
-          </p:cNvCxnSpPr>
-          <p:nvPr/>
-        </p:nvCxnSpPr>
-        <p:spPr>
-          <a:xfrm flipH="1">
-            <a:off x="2659974" y="4701839"/>
-            <a:ext cx="1" cy="189759"/>
-          </a:xfrm>
-          <a:prstGeom prst="straightConnector1">
-            <a:avLst/>
-          </a:prstGeom>
-          <a:ln>
-            <a:tailEnd type="triangle"/>
-          </a:ln>
-        </p:spPr>
-        <p:style>
-          <a:lnRef idx="1">
-            <a:schemeClr val="accent5"/>
-          </a:lnRef>
-          <a:fillRef idx="0">
-            <a:schemeClr val="accent5"/>
-          </a:fillRef>
-          <a:effectRef idx="0">
-            <a:schemeClr val="accent5"/>
-          </a:effectRef>
-          <a:fontRef idx="minor">
-            <a:schemeClr val="tx1"/>
-          </a:fontRef>
-        </p:style>
-      </p:cxnSp>
-      <p:cxnSp>
-        <p:nvCxnSpPr>
-          <p:cNvPr id="191" name="Straight Arrow Connector 190">
-            <a:extLst>
-              <a:ext uri="{FF2B5EF4-FFF2-40B4-BE49-F238E27FC236}">
-                <a16:creationId xmlns:a16="http://schemas.microsoft.com/office/drawing/2014/main" id="{4FAEEFAA-77A1-4568-BE58-4ADD5DFC0FD5}"/>
-              </a:ext>
-            </a:extLst>
-          </p:cNvPr>
-          <p:cNvCxnSpPr>
-            <a:stCxn id="187" idx="3"/>
-            <a:endCxn id="182" idx="1"/>
-          </p:cNvCxnSpPr>
-          <p:nvPr/>
-        </p:nvCxnSpPr>
-        <p:spPr>
-          <a:xfrm>
-            <a:off x="3827016" y="5237827"/>
-            <a:ext cx="281866" cy="4438"/>
-          </a:xfrm>
-          <a:prstGeom prst="straightConnector1">
-            <a:avLst/>
-          </a:prstGeom>
-          <a:ln>
-            <a:tailEnd type="triangle"/>
-          </a:ln>
-        </p:spPr>
-        <p:style>
-          <a:lnRef idx="1">
-            <a:schemeClr val="accent1"/>
-          </a:lnRef>
-          <a:fillRef idx="0">
-            <a:schemeClr val="accent1"/>
-          </a:fillRef>
-          <a:effectRef idx="0">
-            <a:schemeClr val="accent1"/>
-          </a:effectRef>
-          <a:fontRef idx="minor">
-            <a:schemeClr val="tx1"/>
-          </a:fontRef>
-        </p:style>
-      </p:cxnSp>
-      <p:sp>
-        <p:nvSpPr>
-          <p:cNvPr id="193" name="Rectangle: Rounded Corners 192">
-            <a:extLst>
-              <a:ext uri="{FF2B5EF4-FFF2-40B4-BE49-F238E27FC236}">
-                <a16:creationId xmlns:a16="http://schemas.microsoft.com/office/drawing/2014/main" id="{D720AF4E-83B9-4B90-ABBF-FDC4967F27C1}"/>
-              </a:ext>
-            </a:extLst>
-          </p:cNvPr>
-          <p:cNvSpPr/>
-          <p:nvPr/>
-        </p:nvSpPr>
-        <p:spPr>
-          <a:xfrm>
-            <a:off x="6769963" y="4009381"/>
-            <a:ext cx="2379216" cy="692458"/>
-          </a:xfrm>
-          <a:prstGeom prst="roundRect">
-            <a:avLst/>
-          </a:prstGeom>
-        </p:spPr>
-        <p:style>
-          <a:lnRef idx="2">
-            <a:schemeClr val="accent3">
-              <a:shade val="50000"/>
-            </a:schemeClr>
-          </a:lnRef>
-          <a:fillRef idx="1">
-            <a:schemeClr val="accent3"/>
-          </a:fillRef>
-          <a:effectRef idx="0">
-            <a:schemeClr val="accent3"/>
-          </a:effectRef>
-          <a:fontRef idx="minor">
-            <a:schemeClr val="lt1"/>
-          </a:fontRef>
-        </p:style>
-        <p:txBody>
-          <a:bodyPr rtlCol="0" anchor="ctr"/>
-          <a:lstStyle/>
-          <a:p>
-            <a:pPr algn="ctr"/>
-            <a:r>
-              <a:rPr lang="en-US" dirty="0"/>
-              <a:t>Option Name (string)</a:t>
-            </a:r>
-          </a:p>
-        </p:txBody>
-      </p:sp>
-      <p:sp>
-        <p:nvSpPr>
-          <p:cNvPr id="194" name="Rectangle: Rounded Corners 193">
-            <a:extLst>
-              <a:ext uri="{FF2B5EF4-FFF2-40B4-BE49-F238E27FC236}">
-                <a16:creationId xmlns:a16="http://schemas.microsoft.com/office/drawing/2014/main" id="{2E578E50-22C1-4BBD-B161-B8AF1AC4D3E4}"/>
-              </a:ext>
-            </a:extLst>
-          </p:cNvPr>
-          <p:cNvSpPr/>
-          <p:nvPr/>
-        </p:nvSpPr>
-        <p:spPr>
-          <a:xfrm>
-            <a:off x="6769963" y="4897148"/>
-            <a:ext cx="2379216" cy="692458"/>
-          </a:xfrm>
-          <a:prstGeom prst="roundRect">
-            <a:avLst/>
-          </a:prstGeom>
-        </p:spPr>
-        <p:style>
-          <a:lnRef idx="2">
-            <a:schemeClr val="accent3">
-              <a:shade val="50000"/>
-            </a:schemeClr>
-          </a:lnRef>
-          <a:fillRef idx="1">
-            <a:schemeClr val="accent3"/>
-          </a:fillRef>
-          <a:effectRef idx="0">
-            <a:schemeClr val="accent3"/>
-          </a:effectRef>
-          <a:fontRef idx="minor">
-            <a:schemeClr val="lt1"/>
-          </a:fontRef>
-        </p:style>
-        <p:txBody>
-          <a:bodyPr rtlCol="0" anchor="ctr"/>
-          <a:lstStyle/>
-          <a:p>
-            <a:pPr algn="ctr"/>
-            <a:r>
-              <a:rPr lang="en-US" dirty="0"/>
-              <a:t>Current value (string)</a:t>
-            </a:r>
-          </a:p>
-        </p:txBody>
-      </p:sp>
-      <p:sp>
-        <p:nvSpPr>
-          <p:cNvPr id="195" name="Rectangle: Rounded Corners 194">
-            <a:extLst>
-              <a:ext uri="{FF2B5EF4-FFF2-40B4-BE49-F238E27FC236}">
-                <a16:creationId xmlns:a16="http://schemas.microsoft.com/office/drawing/2014/main" id="{2B38FF20-D7E1-4778-BBBD-2ED7E0F2FF4B}"/>
-              </a:ext>
-            </a:extLst>
-          </p:cNvPr>
-          <p:cNvSpPr/>
-          <p:nvPr/>
-        </p:nvSpPr>
-        <p:spPr>
-          <a:xfrm>
-            <a:off x="6769963" y="5784915"/>
-            <a:ext cx="2379216" cy="692458"/>
-          </a:xfrm>
-          <a:prstGeom prst="roundRect">
-            <a:avLst/>
-          </a:prstGeom>
-        </p:spPr>
-        <p:style>
-          <a:lnRef idx="2">
-            <a:schemeClr val="accent3">
-              <a:shade val="50000"/>
-            </a:schemeClr>
-          </a:lnRef>
-          <a:fillRef idx="1">
-            <a:schemeClr val="accent3"/>
-          </a:fillRef>
-          <a:effectRef idx="0">
-            <a:schemeClr val="accent3"/>
-          </a:effectRef>
-          <a:fontRef idx="minor">
-            <a:schemeClr val="lt1"/>
-          </a:fontRef>
-        </p:style>
-        <p:txBody>
-          <a:bodyPr rtlCol="0" anchor="ctr"/>
-          <a:lstStyle/>
-          <a:p>
-            <a:pPr algn="ctr"/>
-            <a:r>
-              <a:rPr lang="en-US" dirty="0"/>
-              <a:t>Default Value (string)</a:t>
-            </a:r>
-          </a:p>
-        </p:txBody>
-      </p:sp>
-      <p:cxnSp>
-        <p:nvCxnSpPr>
-          <p:cNvPr id="197" name="Straight Arrow Connector 196">
-            <a:extLst>
-              <a:ext uri="{FF2B5EF4-FFF2-40B4-BE49-F238E27FC236}">
-                <a16:creationId xmlns:a16="http://schemas.microsoft.com/office/drawing/2014/main" id="{0826EE74-6E9C-4259-9751-C86E7788D379}"/>
-              </a:ext>
-            </a:extLst>
-          </p:cNvPr>
-          <p:cNvCxnSpPr>
-            <a:stCxn id="182" idx="3"/>
-            <a:endCxn id="194" idx="1"/>
-          </p:cNvCxnSpPr>
-          <p:nvPr/>
-        </p:nvCxnSpPr>
-        <p:spPr>
-          <a:xfrm>
-            <a:off x="6488098" y="5242265"/>
-            <a:ext cx="281865" cy="1112"/>
-          </a:xfrm>
-          <a:prstGeom prst="straightConnector1">
-            <a:avLst/>
+            <a:avLst>
+              <a:gd name="adj1" fmla="val 50000"/>
+            </a:avLst>
           </a:prstGeom>
           <a:ln>
             <a:tailEnd type="triangle"/>
@@ -5095,23 +4554,23 @@
       </p:cxnSp>
       <p:cxnSp>
         <p:nvCxnSpPr>
-          <p:cNvPr id="199" name="Connector: Elbow 198">
-            <a:extLst>
-              <a:ext uri="{FF2B5EF4-FFF2-40B4-BE49-F238E27FC236}">
-                <a16:creationId xmlns:a16="http://schemas.microsoft.com/office/drawing/2014/main" id="{B5110C18-9C70-49E7-910B-F0DB6CAB6D09}"/>
+          <p:cNvPr id="71" name="Connector: Elbow 70">
+            <a:extLst>
+              <a:ext uri="{FF2B5EF4-FFF2-40B4-BE49-F238E27FC236}">
+                <a16:creationId xmlns:a16="http://schemas.microsoft.com/office/drawing/2014/main" id="{827D9E2A-D56B-4EEA-A234-FC21DED5BA7C}"/>
               </a:ext>
             </a:extLst>
           </p:cNvPr>
           <p:cNvCxnSpPr>
-            <a:stCxn id="182" idx="0"/>
-            <a:endCxn id="193" idx="1"/>
+            <a:stCxn id="21" idx="2"/>
+            <a:endCxn id="45" idx="1"/>
           </p:cNvCxnSpPr>
           <p:nvPr/>
         </p:nvCxnSpPr>
         <p:spPr>
-          <a:xfrm rot="5400000" flipH="1" flipV="1">
-            <a:off x="5764014" y="3890087"/>
-            <a:ext cx="540425" cy="1471473"/>
+          <a:xfrm rot="16200000" flipH="1">
+            <a:off x="5746162" y="2117973"/>
+            <a:ext cx="574278" cy="1469623"/>
           </a:xfrm>
           <a:prstGeom prst="bentConnector2">
             <a:avLst/>
@@ -5137,25 +4596,25 @@
       </p:cxnSp>
       <p:cxnSp>
         <p:nvCxnSpPr>
-          <p:cNvPr id="201" name="Connector: Elbow 200">
-            <a:extLst>
-              <a:ext uri="{FF2B5EF4-FFF2-40B4-BE49-F238E27FC236}">
-                <a16:creationId xmlns:a16="http://schemas.microsoft.com/office/drawing/2014/main" id="{17EE210E-FCA7-45A7-AE5B-4B1AACE01719}"/>
+          <p:cNvPr id="74" name="Straight Arrow Connector 73">
+            <a:extLst>
+              <a:ext uri="{FF2B5EF4-FFF2-40B4-BE49-F238E27FC236}">
+                <a16:creationId xmlns:a16="http://schemas.microsoft.com/office/drawing/2014/main" id="{88C30CCD-715D-4E5A-BC79-C60556172B7F}"/>
               </a:ext>
             </a:extLst>
           </p:cNvPr>
           <p:cNvCxnSpPr>
-            <a:stCxn id="182" idx="2"/>
-            <a:endCxn id="195" idx="1"/>
+            <a:stCxn id="21" idx="3"/>
+            <a:endCxn id="32" idx="1"/>
           </p:cNvCxnSpPr>
           <p:nvPr/>
         </p:nvCxnSpPr>
         <p:spPr>
-          <a:xfrm rot="16200000" flipH="1">
-            <a:off x="5762901" y="5124082"/>
-            <a:ext cx="542650" cy="1471473"/>
+          <a:xfrm flipV="1">
+            <a:off x="6488098" y="2219416"/>
+            <a:ext cx="280014" cy="1"/>
           </a:xfrm>
-          <a:prstGeom prst="bentConnector2">
+          <a:prstGeom prst="straightConnector1">
             <a:avLst/>
           </a:prstGeom>
           <a:ln>
@@ -5225,7 +4684,7 @@
         </p:nvSpPr>
         <p:spPr bwMode="auto">
           <a:xfrm>
-            <a:off x="0" y="0"/>
+            <a:off x="0" y="8"/>
             <a:ext cx="12192000" cy="7017306"/>
           </a:xfrm>
           <a:prstGeom prst="rect">
@@ -5330,20 +4789,7 @@
                 <a:effectLst/>
                 <a:latin typeface="Source Code Pro" panose="020B0509030403020204" pitchFamily="49" charset="0"/>
               </a:rPr>
-              <a:t>"</a:t>
-            </a:r>
-            <a:r>
-              <a:rPr kumimoji="0" lang="en-US" altLang="en-US" sz="1800" b="0" i="0" u="none" strike="noStrike" cap="none" normalizeH="0" baseline="0" dirty="0" err="1">
-                <a:ln>
-                  <a:noFill/>
-                </a:ln>
-                <a:solidFill>
-                  <a:srgbClr val="9876AA"/>
-                </a:solidFill>
-                <a:effectLst/>
-                <a:latin typeface="Source Code Pro" panose="020B0509030403020204" pitchFamily="49" charset="0"/>
-              </a:rPr>
-              <a:t>user_data</a:t>
+              <a:t>"username1"</a:t>
             </a:r>
             <a:r>
               <a:rPr kumimoji="0" lang="en-US" altLang="en-US" sz="1800" b="0" i="0" u="none" strike="noStrike" cap="none" normalizeH="0" baseline="0" dirty="0">
@@ -5351,12 +4797,12 @@
                   <a:noFill/>
                 </a:ln>
                 <a:solidFill>
-                  <a:srgbClr val="9876AA"/>
+                  <a:srgbClr val="CC7832"/>
                 </a:solidFill>
                 <a:effectLst/>
                 <a:latin typeface="Source Code Pro" panose="020B0509030403020204" pitchFamily="49" charset="0"/>
               </a:rPr>
-              <a:t>"</a:t>
+              <a:t>: </a:t>
             </a:r>
             <a:r>
               <a:rPr kumimoji="0" lang="en-US" altLang="en-US" sz="1800" b="0" i="0" u="none" strike="noStrike" cap="none" normalizeH="0" baseline="0" dirty="0">
@@ -5364,12 +4810,12 @@
                   <a:noFill/>
                 </a:ln>
                 <a:solidFill>
-                  <a:srgbClr val="CC7832"/>
+                  <a:srgbClr val="A9B7C6"/>
                 </a:solidFill>
                 <a:effectLst/>
                 <a:latin typeface="Source Code Pro" panose="020B0509030403020204" pitchFamily="49" charset="0"/>
               </a:rPr>
-              <a:t>: </a:t>
+              <a:t>{            </a:t>
             </a:r>
             <a:r>
               <a:rPr kumimoji="0" lang="en-US" altLang="en-US" sz="1800" b="0" i="0" u="none" strike="noStrike" cap="none" normalizeH="0" baseline="0" dirty="0">
@@ -5377,12 +4823,12 @@
                   <a:noFill/>
                 </a:ln>
                 <a:solidFill>
-                  <a:srgbClr val="A9B7C6"/>
+                  <a:srgbClr val="808080"/>
                 </a:solidFill>
                 <a:effectLst/>
                 <a:latin typeface="Source Code Pro" panose="020B0509030403020204" pitchFamily="49" charset="0"/>
               </a:rPr>
-              <a:t>{</a:t>
+              <a:t>// This key will be a username in the Database.</a:t>
             </a:r>
             <a:br>
               <a:rPr kumimoji="0" lang="en-US" altLang="en-US" sz="1800" b="0" i="0" u="none" strike="noStrike" cap="none" normalizeH="0" baseline="0" dirty="0">
@@ -5420,7 +4866,7 @@
                 <a:effectLst/>
                 <a:latin typeface="Source Code Pro" panose="020B0509030403020204" pitchFamily="49" charset="0"/>
               </a:rPr>
-              <a:t>"username"</a:t>
+              <a:t>"password"</a:t>
             </a:r>
             <a:r>
               <a:rPr kumimoji="0" lang="en-US" altLang="en-US" sz="1800" b="0" i="0" u="none" strike="noStrike" cap="none" normalizeH="0" baseline="0" dirty="0">
@@ -5441,12 +4887,12 @@
                   <a:noFill/>
                 </a:ln>
                 <a:solidFill>
-                  <a:srgbClr val="A9B7C6"/>
+                  <a:srgbClr val="6A8759"/>
                 </a:solidFill>
                 <a:effectLst/>
                 <a:latin typeface="Source Code Pro" panose="020B0509030403020204" pitchFamily="49" charset="0"/>
               </a:rPr>
-              <a:t>{  </a:t>
+              <a:t>"testing"</a:t>
             </a:r>
             <a:r>
               <a:rPr kumimoji="0" lang="en-US" altLang="en-US" sz="1800" b="0" i="0" u="none" strike="noStrike" cap="none" normalizeH="0" baseline="0" dirty="0">
@@ -5454,12 +4900,21 @@
                   <a:noFill/>
                 </a:ln>
                 <a:solidFill>
+                  <a:srgbClr val="CC7832"/>
+                </a:solidFill>
+                <a:effectLst/>
+                <a:latin typeface="Source Code Pro" panose="020B0509030403020204" pitchFamily="49" charset="0"/>
+              </a:rPr>
+              <a:t>,  </a:t>
+            </a:r>
+            <a:r>
+              <a:rPr lang="en-US" altLang="en-US" sz="1800" dirty="0">
+                <a:solidFill>
                   <a:srgbClr val="808080"/>
                 </a:solidFill>
-                <a:effectLst/>
-                <a:latin typeface="Source Code Pro" panose="020B0509030403020204" pitchFamily="49" charset="0"/>
-              </a:rPr>
-              <a:t>// This key will be a username in the Database</a:t>
+                <a:latin typeface="Source Code Pro" panose="020B0509030403020204" pitchFamily="49" charset="0"/>
+              </a:rPr>
+              <a:t>// The user's password.</a:t>
             </a:r>
             <a:br>
               <a:rPr kumimoji="0" lang="en-US" altLang="en-US" sz="1800" b="0" i="0" u="none" strike="noStrike" cap="none" normalizeH="0" baseline="0" dirty="0">
@@ -5467,7 +4922,7 @@
                   <a:noFill/>
                 </a:ln>
                 <a:solidFill>
-                  <a:srgbClr val="A9B7C6"/>
+                  <a:srgbClr val="CC7832"/>
                 </a:solidFill>
                 <a:effectLst/>
                 <a:latin typeface="Source Code Pro" panose="020B0509030403020204" pitchFamily="49" charset="0"/>
@@ -5479,12 +4934,12 @@
                   <a:noFill/>
                 </a:ln>
                 <a:solidFill>
-                  <a:srgbClr val="A9B7C6"/>
+                  <a:srgbClr val="CC7832"/>
                 </a:solidFill>
                 <a:effectLst/>
                 <a:latin typeface="Source Code Pro" panose="020B0509030403020204" pitchFamily="49" charset="0"/>
               </a:rPr>
-              <a:t>      </a:t>
+              <a:t>    </a:t>
             </a:r>
             <a:r>
               <a:rPr kumimoji="0" lang="en-US" altLang="en-US" sz="1800" b="0" i="0" u="none" strike="noStrike" cap="none" normalizeH="0" baseline="0" dirty="0">
@@ -5497,7 +4952,7 @@
                 <a:effectLst/>
                 <a:latin typeface="Source Code Pro" panose="020B0509030403020204" pitchFamily="49" charset="0"/>
               </a:rPr>
-              <a:t>"password"</a:t>
+              <a:t>"logins"</a:t>
             </a:r>
             <a:r>
               <a:rPr kumimoji="0" lang="en-US" altLang="en-US" sz="1800" b="0" i="0" u="none" strike="noStrike" cap="none" normalizeH="0" baseline="0" dirty="0">
@@ -5518,25 +4973,21 @@
                   <a:noFill/>
                 </a:ln>
                 <a:solidFill>
-                  <a:srgbClr val="6A8759"/>
+                  <a:srgbClr val="A9B7C6"/>
                 </a:solidFill>
                 <a:effectLst/>
                 <a:latin typeface="Source Code Pro" panose="020B0509030403020204" pitchFamily="49" charset="0"/>
               </a:rPr>
-              <a:t>"testing"</a:t>
-            </a:r>
-            <a:r>
-              <a:rPr kumimoji="0" lang="en-US" altLang="en-US" sz="1800" b="0" i="0" u="none" strike="noStrike" cap="none" normalizeH="0" baseline="0" dirty="0">
-                <a:ln>
-                  <a:noFill/>
-                </a:ln>
-                <a:solidFill>
-                  <a:srgbClr val="CC7832"/>
-                </a:solidFill>
-                <a:effectLst/>
-                <a:latin typeface="Source Code Pro" panose="020B0509030403020204" pitchFamily="49" charset="0"/>
-              </a:rPr>
-              <a:t>,</a:t>
+              <a:t>[             </a:t>
+            </a:r>
+            <a:r>
+              <a:rPr lang="en-US" altLang="en-US" sz="1800" dirty="0">
+                <a:solidFill>
+                  <a:srgbClr val="808080"/>
+                </a:solidFill>
+                <a:latin typeface="Source Code Pro" panose="020B0509030403020204" pitchFamily="49" charset="0"/>
+              </a:rPr>
+              <a:t>// List of logins, objects with date and progress (abs).</a:t>
             </a:r>
             <a:br>
               <a:rPr kumimoji="0" lang="en-US" altLang="en-US" sz="1800" b="0" i="0" u="none" strike="noStrike" cap="none" normalizeH="0" baseline="0" dirty="0">
@@ -5544,7 +4995,7 @@
                   <a:noFill/>
                 </a:ln>
                 <a:solidFill>
-                  <a:srgbClr val="CC7832"/>
+                  <a:srgbClr val="A9B7C6"/>
                 </a:solidFill>
                 <a:effectLst/>
                 <a:latin typeface="Source Code Pro" panose="020B0509030403020204" pitchFamily="49" charset="0"/>
@@ -5556,51 +5007,12 @@
                   <a:noFill/>
                 </a:ln>
                 <a:solidFill>
-                  <a:srgbClr val="CC7832"/>
+                  <a:srgbClr val="A9B7C6"/>
                 </a:solidFill>
                 <a:effectLst/>
                 <a:latin typeface="Source Code Pro" panose="020B0509030403020204" pitchFamily="49" charset="0"/>
               </a:rPr>
-              <a:t>      </a:t>
-            </a:r>
-            <a:r>
-              <a:rPr kumimoji="0" lang="en-US" altLang="en-US" sz="1800" b="0" i="0" u="none" strike="noStrike" cap="none" normalizeH="0" baseline="0" dirty="0">
-                <a:ln>
-                  <a:noFill/>
-                </a:ln>
-                <a:solidFill>
-                  <a:srgbClr val="9876AA"/>
-                </a:solidFill>
-                <a:effectLst/>
-                <a:latin typeface="Source Code Pro" panose="020B0509030403020204" pitchFamily="49" charset="0"/>
-              </a:rPr>
-              <a:t>"logins"</a:t>
-            </a:r>
-            <a:r>
-              <a:rPr kumimoji="0" lang="en-US" altLang="en-US" sz="1800" b="0" i="0" u="none" strike="noStrike" cap="none" normalizeH="0" baseline="0" dirty="0">
-                <a:ln>
-                  <a:noFill/>
-                </a:ln>
-                <a:solidFill>
-                  <a:srgbClr val="CC7832"/>
-                </a:solidFill>
-                <a:effectLst/>
-                <a:latin typeface="Source Code Pro" panose="020B0509030403020204" pitchFamily="49" charset="0"/>
-              </a:rPr>
-              <a:t>: </a:t>
-            </a:r>
-            <a:r>
-              <a:rPr kumimoji="0" lang="en-US" altLang="en-US" sz="1800" b="0" i="0" u="none" strike="noStrike" cap="none" normalizeH="0" baseline="0" dirty="0">
-                <a:ln>
-                  <a:noFill/>
-                </a:ln>
-                <a:solidFill>
-                  <a:srgbClr val="A9B7C6"/>
-                </a:solidFill>
-                <a:effectLst/>
-                <a:latin typeface="Source Code Pro" panose="020B0509030403020204" pitchFamily="49" charset="0"/>
-              </a:rPr>
-              <a:t>[</a:t>
+              <a:t>      {</a:t>
             </a:r>
             <a:br>
               <a:rPr kumimoji="0" lang="en-US" altLang="en-US" sz="1800" b="0" i="0" u="none" strike="noStrike" cap="none" normalizeH="0" baseline="0" dirty="0">
@@ -5625,7 +5037,59 @@
                 <a:effectLst/>
                 <a:latin typeface="Source Code Pro" panose="020B0509030403020204" pitchFamily="49" charset="0"/>
               </a:rPr>
-              <a:t>        {</a:t>
+              <a:t>        </a:t>
+            </a:r>
+            <a:r>
+              <a:rPr kumimoji="0" lang="en-US" altLang="en-US" sz="1800" b="0" i="0" u="none" strike="noStrike" cap="none" normalizeH="0" baseline="0" dirty="0">
+                <a:ln>
+                  <a:noFill/>
+                </a:ln>
+                <a:solidFill>
+                  <a:srgbClr val="9876AA"/>
+                </a:solidFill>
+                <a:effectLst/>
+                <a:latin typeface="Source Code Pro" panose="020B0509030403020204" pitchFamily="49" charset="0"/>
+              </a:rPr>
+              <a:t>"date"</a:t>
+            </a:r>
+            <a:r>
+              <a:rPr kumimoji="0" lang="en-US" altLang="en-US" sz="1800" b="0" i="0" u="none" strike="noStrike" cap="none" normalizeH="0" baseline="0" dirty="0">
+                <a:ln>
+                  <a:noFill/>
+                </a:ln>
+                <a:solidFill>
+                  <a:srgbClr val="CC7832"/>
+                </a:solidFill>
+                <a:effectLst/>
+                <a:latin typeface="Source Code Pro" panose="020B0509030403020204" pitchFamily="49" charset="0"/>
+              </a:rPr>
+              <a:t>: </a:t>
+            </a:r>
+            <a:r>
+              <a:rPr kumimoji="0" lang="en-US" altLang="en-US" sz="1800" b="0" i="0" u="none" strike="noStrike" cap="none" normalizeH="0" baseline="0" dirty="0">
+                <a:ln>
+                  <a:noFill/>
+                </a:ln>
+                <a:solidFill>
+                  <a:srgbClr val="6A8759"/>
+                </a:solidFill>
+                <a:effectLst/>
+                <a:latin typeface="Source Code Pro" panose="020B0509030403020204" pitchFamily="49" charset="0"/>
+              </a:rPr>
+              <a:t>"%d-%m-%Y %H:%M:%S"</a:t>
+            </a:r>
+            <a:r>
+              <a:rPr kumimoji="0" lang="en-US" altLang="en-US" sz="1800" b="0" i="0" u="none" strike="noStrike" cap="none" normalizeH="0" baseline="0" dirty="0">
+                <a:ln>
+                  <a:noFill/>
+                </a:ln>
+                <a:solidFill>
+                  <a:srgbClr val="CC7832"/>
+                </a:solidFill>
+                <a:effectLst/>
+                <a:latin typeface="Source Code Pro" panose="020B0509030403020204" pitchFamily="49" charset="0"/>
+              </a:rPr>
+              <a:t>,</a:t>
             </a:r>
             <a:br>
               <a:rPr kumimoji="0" lang="en-US" altLang="en-US" sz="1800" b="0" i="0" u="none" strike="noStrike" cap="none" normalizeH="0" baseline="0" dirty="0">
@@ -5633,7 +5097,7 @@
                   <a:noFill/>
                 </a:ln>
                 <a:solidFill>
-                  <a:srgbClr val="A9B7C6"/>
+                  <a:srgbClr val="CC7832"/>
                 </a:solidFill>
                 <a:effectLst/>
                 <a:latin typeface="Source Code Pro" panose="020B0509030403020204" pitchFamily="49" charset="0"/>
@@ -5645,12 +5109,12 @@
                   <a:noFill/>
                 </a:ln>
                 <a:solidFill>
-                  <a:srgbClr val="A9B7C6"/>
+                  <a:srgbClr val="CC7832"/>
                 </a:solidFill>
                 <a:effectLst/>
                 <a:latin typeface="Source Code Pro" panose="020B0509030403020204" pitchFamily="49" charset="0"/>
               </a:rPr>
-              <a:t>          </a:t>
+              <a:t>        </a:t>
             </a:r>
             <a:r>
               <a:rPr kumimoji="0" lang="en-US" altLang="en-US" sz="1800" b="0" i="0" u="none" strike="noStrike" cap="none" normalizeH="0" baseline="0" dirty="0">
@@ -5663,7 +5127,7 @@
                 <a:effectLst/>
                 <a:latin typeface="Source Code Pro" panose="020B0509030403020204" pitchFamily="49" charset="0"/>
               </a:rPr>
-              <a:t>"date"</a:t>
+              <a:t>"progress"</a:t>
             </a:r>
             <a:r>
               <a:rPr kumimoji="0" lang="en-US" altLang="en-US" sz="1800" b="0" i="0" u="none" strike="noStrike" cap="none" normalizeH="0" baseline="0" dirty="0">
@@ -5684,25 +5148,12 @@
                   <a:noFill/>
                 </a:ln>
                 <a:solidFill>
-                  <a:srgbClr val="6A8759"/>
+                  <a:srgbClr val="6897BB"/>
                 </a:solidFill>
                 <a:effectLst/>
                 <a:latin typeface="Source Code Pro" panose="020B0509030403020204" pitchFamily="49" charset="0"/>
               </a:rPr>
-              <a:t>"%d-%m-%Y %H:%M:%S"</a:t>
-            </a:r>
-            <a:r>
-              <a:rPr kumimoji="0" lang="en-US" altLang="en-US" sz="1800" b="0" i="0" u="none" strike="noStrike" cap="none" normalizeH="0" baseline="0" dirty="0">
-                <a:ln>
-                  <a:noFill/>
-                </a:ln>
-                <a:solidFill>
-                  <a:srgbClr val="CC7832"/>
-                </a:solidFill>
-                <a:effectLst/>
-                <a:latin typeface="Source Code Pro" panose="020B0509030403020204" pitchFamily="49" charset="0"/>
-              </a:rPr>
-              <a:t>,</a:t>
+              <a:t>1</a:t>
             </a:r>
             <a:br>
               <a:rPr kumimoji="0" lang="en-US" altLang="en-US" sz="1800" b="0" i="0" u="none" strike="noStrike" cap="none" normalizeH="0" baseline="0" dirty="0">
@@ -5710,7 +5161,7 @@
                   <a:noFill/>
                 </a:ln>
                 <a:solidFill>
-                  <a:srgbClr val="CC7832"/>
+                  <a:srgbClr val="6897BB"/>
                 </a:solidFill>
                 <a:effectLst/>
                 <a:latin typeface="Source Code Pro" panose="020B0509030403020204" pitchFamily="49" charset="0"/>
@@ -5722,12 +5173,12 @@
                   <a:noFill/>
                 </a:ln>
                 <a:solidFill>
-                  <a:srgbClr val="CC7832"/>
+                  <a:srgbClr val="6897BB"/>
                 </a:solidFill>
                 <a:effectLst/>
                 <a:latin typeface="Source Code Pro" panose="020B0509030403020204" pitchFamily="49" charset="0"/>
               </a:rPr>
-              <a:t>          </a:t>
+              <a:t>      </a:t>
             </a:r>
             <a:r>
               <a:rPr kumimoji="0" lang="en-US" altLang="en-US" sz="1800" b="0" i="0" u="none" strike="noStrike" cap="none" normalizeH="0" baseline="0" dirty="0">
@@ -5735,12 +5186,12 @@
                   <a:noFill/>
                 </a:ln>
                 <a:solidFill>
-                  <a:srgbClr val="9876AA"/>
+                  <a:srgbClr val="A9B7C6"/>
                 </a:solidFill>
                 <a:effectLst/>
                 <a:latin typeface="Source Code Pro" panose="020B0509030403020204" pitchFamily="49" charset="0"/>
               </a:rPr>
-              <a:t>"slide"</a:t>
+              <a:t>}</a:t>
             </a:r>
             <a:r>
               <a:rPr kumimoji="0" lang="en-US" altLang="en-US" sz="1800" b="0" i="0" u="none" strike="noStrike" cap="none" normalizeH="0" baseline="0" dirty="0">
@@ -5753,979 +5204,7 @@
                 <a:effectLst/>
                 <a:latin typeface="Source Code Pro" panose="020B0509030403020204" pitchFamily="49" charset="0"/>
               </a:rPr>
-              <a:t>: </a:t>
-            </a:r>
-            <a:r>
-              <a:rPr kumimoji="0" lang="en-US" altLang="en-US" sz="1800" b="0" i="0" u="none" strike="noStrike" cap="none" normalizeH="0" baseline="0" dirty="0">
-                <a:ln>
-                  <a:noFill/>
-                </a:ln>
-                <a:solidFill>
-                  <a:srgbClr val="6897BB"/>
-                </a:solidFill>
-                <a:effectLst/>
-                <a:latin typeface="Source Code Pro" panose="020B0509030403020204" pitchFamily="49" charset="0"/>
-              </a:rPr>
-              <a:t>1</a:t>
-            </a:r>
-            <a:br>
-              <a:rPr kumimoji="0" lang="en-US" altLang="en-US" sz="1800" b="0" i="0" u="none" strike="noStrike" cap="none" normalizeH="0" baseline="0" dirty="0">
-                <a:ln>
-                  <a:noFill/>
-                </a:ln>
-                <a:solidFill>
-                  <a:srgbClr val="6897BB"/>
-                </a:solidFill>
-                <a:effectLst/>
-                <a:latin typeface="Source Code Pro" panose="020B0509030403020204" pitchFamily="49" charset="0"/>
-              </a:rPr>
-            </a:br>
-            <a:r>
-              <a:rPr kumimoji="0" lang="en-US" altLang="en-US" sz="1800" b="0" i="0" u="none" strike="noStrike" cap="none" normalizeH="0" baseline="0" dirty="0">
-                <a:ln>
-                  <a:noFill/>
-                </a:ln>
-                <a:solidFill>
-                  <a:srgbClr val="6897BB"/>
-                </a:solidFill>
-                <a:effectLst/>
-                <a:latin typeface="Source Code Pro" panose="020B0509030403020204" pitchFamily="49" charset="0"/>
-              </a:rPr>
-              <a:t>        </a:t>
-            </a:r>
-            <a:r>
-              <a:rPr kumimoji="0" lang="en-US" altLang="en-US" sz="1800" b="0" i="0" u="none" strike="noStrike" cap="none" normalizeH="0" baseline="0" dirty="0">
-                <a:ln>
-                  <a:noFill/>
-                </a:ln>
-                <a:solidFill>
-                  <a:srgbClr val="A9B7C6"/>
-                </a:solidFill>
-                <a:effectLst/>
-                <a:latin typeface="Source Code Pro" panose="020B0509030403020204" pitchFamily="49" charset="0"/>
-              </a:rPr>
-              <a:t>}</a:t>
-            </a:r>
-            <a:r>
-              <a:rPr kumimoji="0" lang="en-US" altLang="en-US" sz="1800" b="0" i="0" u="none" strike="noStrike" cap="none" normalizeH="0" baseline="0" dirty="0">
-                <a:ln>
-                  <a:noFill/>
-                </a:ln>
-                <a:solidFill>
-                  <a:srgbClr val="CC7832"/>
-                </a:solidFill>
-                <a:effectLst/>
-                <a:latin typeface="Source Code Pro" panose="020B0509030403020204" pitchFamily="49" charset="0"/>
-              </a:rPr>
               <a:t>,</a:t>
-            </a:r>
-            <a:br>
-              <a:rPr kumimoji="0" lang="en-US" altLang="en-US" sz="1800" b="0" i="0" u="none" strike="noStrike" cap="none" normalizeH="0" baseline="0" dirty="0">
-                <a:ln>
-                  <a:noFill/>
-                </a:ln>
-                <a:solidFill>
-                  <a:srgbClr val="CC7832"/>
-                </a:solidFill>
-                <a:effectLst/>
-                <a:latin typeface="Source Code Pro" panose="020B0509030403020204" pitchFamily="49" charset="0"/>
-              </a:rPr>
-            </a:br>
-            <a:r>
-              <a:rPr kumimoji="0" lang="en-US" altLang="en-US" sz="1800" b="0" i="0" u="none" strike="noStrike" cap="none" normalizeH="0" baseline="0" dirty="0">
-                <a:ln>
-                  <a:noFill/>
-                </a:ln>
-                <a:solidFill>
-                  <a:srgbClr val="CC7832"/>
-                </a:solidFill>
-                <a:effectLst/>
-                <a:latin typeface="Source Code Pro" panose="020B0509030403020204" pitchFamily="49" charset="0"/>
-              </a:rPr>
-              <a:t>        </a:t>
-            </a:r>
-            <a:r>
-              <a:rPr kumimoji="0" lang="en-US" altLang="en-US" sz="1800" b="0" i="0" u="none" strike="noStrike" cap="none" normalizeH="0" baseline="0" dirty="0">
-                <a:ln>
-                  <a:noFill/>
-                </a:ln>
-                <a:solidFill>
-                  <a:srgbClr val="A9B7C6"/>
-                </a:solidFill>
-                <a:effectLst/>
-                <a:latin typeface="Source Code Pro" panose="020B0509030403020204" pitchFamily="49" charset="0"/>
-              </a:rPr>
-              <a:t>{</a:t>
-            </a:r>
-            <a:br>
-              <a:rPr kumimoji="0" lang="en-US" altLang="en-US" sz="1800" b="0" i="0" u="none" strike="noStrike" cap="none" normalizeH="0" baseline="0" dirty="0">
-                <a:ln>
-                  <a:noFill/>
-                </a:ln>
-                <a:solidFill>
-                  <a:srgbClr val="A9B7C6"/>
-                </a:solidFill>
-                <a:effectLst/>
-                <a:latin typeface="Source Code Pro" panose="020B0509030403020204" pitchFamily="49" charset="0"/>
-              </a:rPr>
-            </a:br>
-            <a:r>
-              <a:rPr kumimoji="0" lang="en-US" altLang="en-US" sz="1800" b="0" i="0" u="none" strike="noStrike" cap="none" normalizeH="0" baseline="0" dirty="0">
-                <a:ln>
-                  <a:noFill/>
-                </a:ln>
-                <a:solidFill>
-                  <a:srgbClr val="A9B7C6"/>
-                </a:solidFill>
-                <a:effectLst/>
-                <a:latin typeface="Source Code Pro" panose="020B0509030403020204" pitchFamily="49" charset="0"/>
-              </a:rPr>
-              <a:t>          </a:t>
-            </a:r>
-            <a:r>
-              <a:rPr kumimoji="0" lang="en-US" altLang="en-US" sz="1800" b="0" i="0" u="none" strike="noStrike" cap="none" normalizeH="0" baseline="0" dirty="0">
-                <a:ln>
-                  <a:noFill/>
-                </a:ln>
-                <a:solidFill>
-                  <a:srgbClr val="9876AA"/>
-                </a:solidFill>
-                <a:effectLst/>
-                <a:latin typeface="Source Code Pro" panose="020B0509030403020204" pitchFamily="49" charset="0"/>
-              </a:rPr>
-              <a:t>"date"</a:t>
-            </a:r>
-            <a:r>
-              <a:rPr kumimoji="0" lang="en-US" altLang="en-US" sz="1800" b="0" i="0" u="none" strike="noStrike" cap="none" normalizeH="0" baseline="0" dirty="0">
-                <a:ln>
-                  <a:noFill/>
-                </a:ln>
-                <a:solidFill>
-                  <a:srgbClr val="CC7832"/>
-                </a:solidFill>
-                <a:effectLst/>
-                <a:latin typeface="Source Code Pro" panose="020B0509030403020204" pitchFamily="49" charset="0"/>
-              </a:rPr>
-              <a:t>: </a:t>
-            </a:r>
-            <a:r>
-              <a:rPr kumimoji="0" lang="en-US" altLang="en-US" sz="1800" b="0" i="0" u="none" strike="noStrike" cap="none" normalizeH="0" baseline="0" dirty="0">
-                <a:ln>
-                  <a:noFill/>
-                </a:ln>
-                <a:solidFill>
-                  <a:srgbClr val="6A8759"/>
-                </a:solidFill>
-                <a:effectLst/>
-                <a:latin typeface="Source Code Pro" panose="020B0509030403020204" pitchFamily="49" charset="0"/>
-              </a:rPr>
-              <a:t>"%d-%m-%Y %H:%M:%S"</a:t>
-            </a:r>
-            <a:r>
-              <a:rPr kumimoji="0" lang="en-US" altLang="en-US" sz="1800" b="0" i="0" u="none" strike="noStrike" cap="none" normalizeH="0" baseline="0" dirty="0">
-                <a:ln>
-                  <a:noFill/>
-                </a:ln>
-                <a:solidFill>
-                  <a:srgbClr val="CC7832"/>
-                </a:solidFill>
-                <a:effectLst/>
-                <a:latin typeface="Source Code Pro" panose="020B0509030403020204" pitchFamily="49" charset="0"/>
-              </a:rPr>
-              <a:t>,</a:t>
-            </a:r>
-            <a:br>
-              <a:rPr kumimoji="0" lang="en-US" altLang="en-US" sz="1800" b="0" i="0" u="none" strike="noStrike" cap="none" normalizeH="0" baseline="0" dirty="0">
-                <a:ln>
-                  <a:noFill/>
-                </a:ln>
-                <a:solidFill>
-                  <a:srgbClr val="CC7832"/>
-                </a:solidFill>
-                <a:effectLst/>
-                <a:latin typeface="Source Code Pro" panose="020B0509030403020204" pitchFamily="49" charset="0"/>
-              </a:rPr>
-            </a:br>
-            <a:r>
-              <a:rPr kumimoji="0" lang="en-US" altLang="en-US" sz="1800" b="0" i="0" u="none" strike="noStrike" cap="none" normalizeH="0" baseline="0" dirty="0">
-                <a:ln>
-                  <a:noFill/>
-                </a:ln>
-                <a:solidFill>
-                  <a:srgbClr val="CC7832"/>
-                </a:solidFill>
-                <a:effectLst/>
-                <a:latin typeface="Source Code Pro" panose="020B0509030403020204" pitchFamily="49" charset="0"/>
-              </a:rPr>
-              <a:t>          </a:t>
-            </a:r>
-            <a:r>
-              <a:rPr kumimoji="0" lang="en-US" altLang="en-US" sz="1800" b="0" i="0" u="none" strike="noStrike" cap="none" normalizeH="0" baseline="0" dirty="0">
-                <a:ln>
-                  <a:noFill/>
-                </a:ln>
-                <a:solidFill>
-                  <a:srgbClr val="9876AA"/>
-                </a:solidFill>
-                <a:effectLst/>
-                <a:latin typeface="Source Code Pro" panose="020B0509030403020204" pitchFamily="49" charset="0"/>
-              </a:rPr>
-              <a:t>"slide"</a:t>
-            </a:r>
-            <a:r>
-              <a:rPr kumimoji="0" lang="en-US" altLang="en-US" sz="1800" b="0" i="0" u="none" strike="noStrike" cap="none" normalizeH="0" baseline="0" dirty="0">
-                <a:ln>
-                  <a:noFill/>
-                </a:ln>
-                <a:solidFill>
-                  <a:srgbClr val="CC7832"/>
-                </a:solidFill>
-                <a:effectLst/>
-                <a:latin typeface="Source Code Pro" panose="020B0509030403020204" pitchFamily="49" charset="0"/>
-              </a:rPr>
-              <a:t>: </a:t>
-            </a:r>
-            <a:r>
-              <a:rPr kumimoji="0" lang="en-US" altLang="en-US" sz="1800" b="0" i="0" u="none" strike="noStrike" cap="none" normalizeH="0" baseline="0" dirty="0">
-                <a:ln>
-                  <a:noFill/>
-                </a:ln>
-                <a:solidFill>
-                  <a:srgbClr val="6897BB"/>
-                </a:solidFill>
-                <a:effectLst/>
-                <a:latin typeface="Source Code Pro" panose="020B0509030403020204" pitchFamily="49" charset="0"/>
-              </a:rPr>
-              <a:t>5</a:t>
-            </a:r>
-            <a:br>
-              <a:rPr kumimoji="0" lang="en-US" altLang="en-US" sz="1800" b="0" i="0" u="none" strike="noStrike" cap="none" normalizeH="0" baseline="0" dirty="0">
-                <a:ln>
-                  <a:noFill/>
-                </a:ln>
-                <a:solidFill>
-                  <a:srgbClr val="6897BB"/>
-                </a:solidFill>
-                <a:effectLst/>
-                <a:latin typeface="Source Code Pro" panose="020B0509030403020204" pitchFamily="49" charset="0"/>
-              </a:rPr>
-            </a:br>
-            <a:r>
-              <a:rPr kumimoji="0" lang="en-US" altLang="en-US" sz="1800" b="0" i="0" u="none" strike="noStrike" cap="none" normalizeH="0" baseline="0" dirty="0">
-                <a:ln>
-                  <a:noFill/>
-                </a:ln>
-                <a:solidFill>
-                  <a:srgbClr val="6897BB"/>
-                </a:solidFill>
-                <a:effectLst/>
-                <a:latin typeface="Source Code Pro" panose="020B0509030403020204" pitchFamily="49" charset="0"/>
-              </a:rPr>
-              <a:t>        </a:t>
-            </a:r>
-            <a:r>
-              <a:rPr kumimoji="0" lang="en-US" altLang="en-US" sz="1800" b="0" i="0" u="none" strike="noStrike" cap="none" normalizeH="0" baseline="0" dirty="0">
-                <a:ln>
-                  <a:noFill/>
-                </a:ln>
-                <a:solidFill>
-                  <a:srgbClr val="A9B7C6"/>
-                </a:solidFill>
-                <a:effectLst/>
-                <a:latin typeface="Source Code Pro" panose="020B0509030403020204" pitchFamily="49" charset="0"/>
-              </a:rPr>
-              <a:t>}</a:t>
-            </a:r>
-            <a:br>
-              <a:rPr kumimoji="0" lang="en-US" altLang="en-US" sz="1800" b="0" i="0" u="none" strike="noStrike" cap="none" normalizeH="0" baseline="0" dirty="0">
-                <a:ln>
-                  <a:noFill/>
-                </a:ln>
-                <a:solidFill>
-                  <a:srgbClr val="A9B7C6"/>
-                </a:solidFill>
-                <a:effectLst/>
-                <a:latin typeface="Source Code Pro" panose="020B0509030403020204" pitchFamily="49" charset="0"/>
-              </a:rPr>
-            </a:br>
-            <a:r>
-              <a:rPr kumimoji="0" lang="en-US" altLang="en-US" sz="1800" b="0" i="0" u="none" strike="noStrike" cap="none" normalizeH="0" baseline="0" dirty="0">
-                <a:ln>
-                  <a:noFill/>
-                </a:ln>
-                <a:solidFill>
-                  <a:srgbClr val="A9B7C6"/>
-                </a:solidFill>
-                <a:effectLst/>
-                <a:latin typeface="Source Code Pro" panose="020B0509030403020204" pitchFamily="49" charset="0"/>
-              </a:rPr>
-              <a:t>      ]</a:t>
-            </a:r>
-            <a:br>
-              <a:rPr kumimoji="0" lang="en-US" altLang="en-US" sz="1800" b="0" i="0" u="none" strike="noStrike" cap="none" normalizeH="0" baseline="0" dirty="0">
-                <a:ln>
-                  <a:noFill/>
-                </a:ln>
-                <a:solidFill>
-                  <a:srgbClr val="A9B7C6"/>
-                </a:solidFill>
-                <a:effectLst/>
-                <a:latin typeface="Source Code Pro" panose="020B0509030403020204" pitchFamily="49" charset="0"/>
-              </a:rPr>
-            </a:br>
-            <a:r>
-              <a:rPr kumimoji="0" lang="en-US" altLang="en-US" sz="1800" b="0" i="0" u="none" strike="noStrike" cap="none" normalizeH="0" baseline="0" dirty="0">
-                <a:ln>
-                  <a:noFill/>
-                </a:ln>
-                <a:solidFill>
-                  <a:srgbClr val="A9B7C6"/>
-                </a:solidFill>
-                <a:effectLst/>
-                <a:latin typeface="Source Code Pro" panose="020B0509030403020204" pitchFamily="49" charset="0"/>
-              </a:rPr>
-              <a:t>    }</a:t>
-            </a:r>
-            <a:br>
-              <a:rPr kumimoji="0" lang="en-US" altLang="en-US" sz="1800" b="0" i="0" u="none" strike="noStrike" cap="none" normalizeH="0" baseline="0" dirty="0">
-                <a:ln>
-                  <a:noFill/>
-                </a:ln>
-                <a:solidFill>
-                  <a:srgbClr val="A9B7C6"/>
-                </a:solidFill>
-                <a:effectLst/>
-                <a:latin typeface="Source Code Pro" panose="020B0509030403020204" pitchFamily="49" charset="0"/>
-              </a:rPr>
-            </a:br>
-            <a:r>
-              <a:rPr kumimoji="0" lang="en-US" altLang="en-US" sz="1800" b="0" i="0" u="none" strike="noStrike" cap="none" normalizeH="0" baseline="0" dirty="0">
-                <a:ln>
-                  <a:noFill/>
-                </a:ln>
-                <a:solidFill>
-                  <a:srgbClr val="A9B7C6"/>
-                </a:solidFill>
-                <a:effectLst/>
-                <a:latin typeface="Source Code Pro" panose="020B0509030403020204" pitchFamily="49" charset="0"/>
-              </a:rPr>
-              <a:t>  }</a:t>
-            </a:r>
-            <a:r>
-              <a:rPr kumimoji="0" lang="en-US" altLang="en-US" sz="1800" b="0" i="0" u="none" strike="noStrike" cap="none" normalizeH="0" baseline="0" dirty="0">
-                <a:ln>
-                  <a:noFill/>
-                </a:ln>
-                <a:solidFill>
-                  <a:srgbClr val="CC7832"/>
-                </a:solidFill>
-                <a:effectLst/>
-                <a:latin typeface="Source Code Pro" panose="020B0509030403020204" pitchFamily="49" charset="0"/>
-              </a:rPr>
-              <a:t>,</a:t>
-            </a:r>
-            <a:br>
-              <a:rPr kumimoji="0" lang="en-US" altLang="en-US" sz="1800" b="0" i="0" u="none" strike="noStrike" cap="none" normalizeH="0" baseline="0" dirty="0">
-                <a:ln>
-                  <a:noFill/>
-                </a:ln>
-                <a:solidFill>
-                  <a:srgbClr val="CC7832"/>
-                </a:solidFill>
-                <a:effectLst/>
-                <a:latin typeface="Source Code Pro" panose="020B0509030403020204" pitchFamily="49" charset="0"/>
-              </a:rPr>
-            </a:br>
-            <a:r>
-              <a:rPr kumimoji="0" lang="en-US" altLang="en-US" sz="1800" b="0" i="0" u="none" strike="noStrike" cap="none" normalizeH="0" baseline="0" dirty="0">
-                <a:ln>
-                  <a:noFill/>
-                </a:ln>
-                <a:solidFill>
-                  <a:srgbClr val="CC7832"/>
-                </a:solidFill>
-                <a:effectLst/>
-                <a:latin typeface="Source Code Pro" panose="020B0509030403020204" pitchFamily="49" charset="0"/>
-              </a:rPr>
-              <a:t>  </a:t>
-            </a:r>
-            <a:r>
-              <a:rPr kumimoji="0" lang="en-US" altLang="en-US" sz="1800" b="0" i="0" u="none" strike="noStrike" cap="none" normalizeH="0" baseline="0" dirty="0">
-                <a:ln>
-                  <a:noFill/>
-                </a:ln>
-                <a:solidFill>
-                  <a:srgbClr val="9876AA"/>
-                </a:solidFill>
-                <a:effectLst/>
-                <a:latin typeface="Source Code Pro" panose="020B0509030403020204" pitchFamily="49" charset="0"/>
-              </a:rPr>
-              <a:t>"configuration"</a:t>
-            </a:r>
-            <a:r>
-              <a:rPr kumimoji="0" lang="en-US" altLang="en-US" sz="1800" b="0" i="0" u="none" strike="noStrike" cap="none" normalizeH="0" baseline="0" dirty="0">
-                <a:ln>
-                  <a:noFill/>
-                </a:ln>
-                <a:solidFill>
-                  <a:srgbClr val="CC7832"/>
-                </a:solidFill>
-                <a:effectLst/>
-                <a:latin typeface="Source Code Pro" panose="020B0509030403020204" pitchFamily="49" charset="0"/>
-              </a:rPr>
-              <a:t>: </a:t>
-            </a:r>
-            <a:r>
-              <a:rPr kumimoji="0" lang="en-US" altLang="en-US" sz="1800" b="0" i="0" u="none" strike="noStrike" cap="none" normalizeH="0" baseline="0" dirty="0">
-                <a:ln>
-                  <a:noFill/>
-                </a:ln>
-                <a:solidFill>
-                  <a:srgbClr val="A9B7C6"/>
-                </a:solidFill>
-                <a:effectLst/>
-                <a:latin typeface="Source Code Pro" panose="020B0509030403020204" pitchFamily="49" charset="0"/>
-              </a:rPr>
-              <a:t>{</a:t>
-            </a:r>
-            <a:br>
-              <a:rPr kumimoji="0" lang="en-US" altLang="en-US" sz="1800" b="0" i="0" u="none" strike="noStrike" cap="none" normalizeH="0" baseline="0" dirty="0">
-                <a:ln>
-                  <a:noFill/>
-                </a:ln>
-                <a:solidFill>
-                  <a:srgbClr val="A9B7C6"/>
-                </a:solidFill>
-                <a:effectLst/>
-                <a:latin typeface="Source Code Pro" panose="020B0509030403020204" pitchFamily="49" charset="0"/>
-              </a:rPr>
-            </a:br>
-            <a:r>
-              <a:rPr kumimoji="0" lang="en-US" altLang="en-US" sz="1800" b="0" i="0" u="none" strike="noStrike" cap="none" normalizeH="0" baseline="0" dirty="0">
-                <a:ln>
-                  <a:noFill/>
-                </a:ln>
-                <a:solidFill>
-                  <a:srgbClr val="A9B7C6"/>
-                </a:solidFill>
-                <a:effectLst/>
-                <a:latin typeface="Source Code Pro" panose="020B0509030403020204" pitchFamily="49" charset="0"/>
-              </a:rPr>
-              <a:t>    </a:t>
-            </a:r>
-            <a:r>
-              <a:rPr kumimoji="0" lang="en-US" altLang="en-US" sz="1800" b="0" i="0" u="none" strike="noStrike" cap="none" normalizeH="0" baseline="0" dirty="0">
-                <a:ln>
-                  <a:noFill/>
-                </a:ln>
-                <a:solidFill>
-                  <a:srgbClr val="9876AA"/>
-                </a:solidFill>
-                <a:effectLst/>
-                <a:latin typeface="Source Code Pro" panose="020B0509030403020204" pitchFamily="49" charset="0"/>
-              </a:rPr>
-              <a:t>"</a:t>
-            </a:r>
-            <a:r>
-              <a:rPr kumimoji="0" lang="en-US" altLang="en-US" sz="1800" b="0" i="0" u="none" strike="noStrike" cap="none" normalizeH="0" baseline="0" dirty="0" err="1">
-                <a:ln>
-                  <a:noFill/>
-                </a:ln>
-                <a:solidFill>
-                  <a:srgbClr val="9876AA"/>
-                </a:solidFill>
-                <a:effectLst/>
-                <a:latin typeface="Source Code Pro" panose="020B0509030403020204" pitchFamily="49" charset="0"/>
-              </a:rPr>
-              <a:t>window_size</a:t>
-            </a:r>
-            <a:r>
-              <a:rPr kumimoji="0" lang="en-US" altLang="en-US" sz="1800" b="0" i="0" u="none" strike="noStrike" cap="none" normalizeH="0" baseline="0" dirty="0">
-                <a:ln>
-                  <a:noFill/>
-                </a:ln>
-                <a:solidFill>
-                  <a:srgbClr val="9876AA"/>
-                </a:solidFill>
-                <a:effectLst/>
-                <a:latin typeface="Source Code Pro" panose="020B0509030403020204" pitchFamily="49" charset="0"/>
-              </a:rPr>
-              <a:t>"</a:t>
-            </a:r>
-            <a:r>
-              <a:rPr kumimoji="0" lang="en-US" altLang="en-US" sz="1800" b="0" i="0" u="none" strike="noStrike" cap="none" normalizeH="0" baseline="0" dirty="0">
-                <a:ln>
-                  <a:noFill/>
-                </a:ln>
-                <a:solidFill>
-                  <a:srgbClr val="CC7832"/>
-                </a:solidFill>
-                <a:effectLst/>
-                <a:latin typeface="Source Code Pro" panose="020B0509030403020204" pitchFamily="49" charset="0"/>
-              </a:rPr>
-              <a:t>: </a:t>
-            </a:r>
-            <a:r>
-              <a:rPr kumimoji="0" lang="en-US" altLang="en-US" sz="1800" b="0" i="0" u="none" strike="noStrike" cap="none" normalizeH="0" baseline="0" dirty="0">
-                <a:ln>
-                  <a:noFill/>
-                </a:ln>
-                <a:solidFill>
-                  <a:srgbClr val="A9B7C6"/>
-                </a:solidFill>
-                <a:effectLst/>
-                <a:latin typeface="Source Code Pro" panose="020B0509030403020204" pitchFamily="49" charset="0"/>
-              </a:rPr>
-              <a:t>{</a:t>
-            </a:r>
-            <a:br>
-              <a:rPr kumimoji="0" lang="en-US" altLang="en-US" sz="1800" b="0" i="0" u="none" strike="noStrike" cap="none" normalizeH="0" baseline="0" dirty="0">
-                <a:ln>
-                  <a:noFill/>
-                </a:ln>
-                <a:solidFill>
-                  <a:srgbClr val="A9B7C6"/>
-                </a:solidFill>
-                <a:effectLst/>
-                <a:latin typeface="Source Code Pro" panose="020B0509030403020204" pitchFamily="49" charset="0"/>
-              </a:rPr>
-            </a:br>
-            <a:r>
-              <a:rPr kumimoji="0" lang="en-US" altLang="en-US" sz="1800" b="0" i="0" u="none" strike="noStrike" cap="none" normalizeH="0" baseline="0" dirty="0">
-                <a:ln>
-                  <a:noFill/>
-                </a:ln>
-                <a:solidFill>
-                  <a:srgbClr val="A9B7C6"/>
-                </a:solidFill>
-                <a:effectLst/>
-                <a:latin typeface="Source Code Pro" panose="020B0509030403020204" pitchFamily="49" charset="0"/>
-              </a:rPr>
-              <a:t>      </a:t>
-            </a:r>
-            <a:r>
-              <a:rPr kumimoji="0" lang="en-US" altLang="en-US" sz="1800" b="0" i="0" u="none" strike="noStrike" cap="none" normalizeH="0" baseline="0" dirty="0">
-                <a:ln>
-                  <a:noFill/>
-                </a:ln>
-                <a:solidFill>
-                  <a:srgbClr val="9876AA"/>
-                </a:solidFill>
-                <a:effectLst/>
-                <a:latin typeface="Source Code Pro" panose="020B0509030403020204" pitchFamily="49" charset="0"/>
-              </a:rPr>
-              <a:t>"name"</a:t>
-            </a:r>
-            <a:r>
-              <a:rPr kumimoji="0" lang="en-US" altLang="en-US" sz="1800" b="0" i="0" u="none" strike="noStrike" cap="none" normalizeH="0" baseline="0" dirty="0">
-                <a:ln>
-                  <a:noFill/>
-                </a:ln>
-                <a:solidFill>
-                  <a:srgbClr val="CC7832"/>
-                </a:solidFill>
-                <a:effectLst/>
-                <a:latin typeface="Source Code Pro" panose="020B0509030403020204" pitchFamily="49" charset="0"/>
-              </a:rPr>
-              <a:t>: </a:t>
-            </a:r>
-            <a:r>
-              <a:rPr kumimoji="0" lang="en-US" altLang="en-US" sz="1800" b="0" i="0" u="none" strike="noStrike" cap="none" normalizeH="0" baseline="0" dirty="0">
-                <a:ln>
-                  <a:noFill/>
-                </a:ln>
-                <a:solidFill>
-                  <a:srgbClr val="6A8759"/>
-                </a:solidFill>
-                <a:effectLst/>
-                <a:latin typeface="Source Code Pro" panose="020B0509030403020204" pitchFamily="49" charset="0"/>
-              </a:rPr>
-              <a:t>"Readable Name"</a:t>
-            </a:r>
-            <a:r>
-              <a:rPr kumimoji="0" lang="en-US" altLang="en-US" sz="1800" b="0" i="0" u="none" strike="noStrike" cap="none" normalizeH="0" baseline="0" dirty="0">
-                <a:ln>
-                  <a:noFill/>
-                </a:ln>
-                <a:solidFill>
-                  <a:srgbClr val="CC7832"/>
-                </a:solidFill>
-                <a:effectLst/>
-                <a:latin typeface="Source Code Pro" panose="020B0509030403020204" pitchFamily="49" charset="0"/>
-              </a:rPr>
-              <a:t>, </a:t>
-            </a:r>
-            <a:r>
-              <a:rPr kumimoji="0" lang="en-US" altLang="en-US" sz="1800" b="0" i="0" u="none" strike="noStrike" cap="none" normalizeH="0" baseline="0" dirty="0">
-                <a:ln>
-                  <a:noFill/>
-                </a:ln>
-                <a:solidFill>
-                  <a:srgbClr val="808080"/>
-                </a:solidFill>
-                <a:effectLst/>
-                <a:latin typeface="Source Code Pro" panose="020B0509030403020204" pitchFamily="49" charset="0"/>
-              </a:rPr>
-              <a:t>// One line description of the option</a:t>
-            </a:r>
-            <a:br>
-              <a:rPr kumimoji="0" lang="en-US" altLang="en-US" sz="1800" b="0" i="0" u="none" strike="noStrike" cap="none" normalizeH="0" baseline="0" dirty="0">
-                <a:ln>
-                  <a:noFill/>
-                </a:ln>
-                <a:solidFill>
-                  <a:srgbClr val="808080"/>
-                </a:solidFill>
-                <a:effectLst/>
-                <a:latin typeface="Source Code Pro" panose="020B0509030403020204" pitchFamily="49" charset="0"/>
-              </a:rPr>
-            </a:br>
-            <a:r>
-              <a:rPr kumimoji="0" lang="en-US" altLang="en-US" sz="1800" b="0" i="0" u="none" strike="noStrike" cap="none" normalizeH="0" baseline="0" dirty="0">
-                <a:ln>
-                  <a:noFill/>
-                </a:ln>
-                <a:solidFill>
-                  <a:srgbClr val="808080"/>
-                </a:solidFill>
-                <a:effectLst/>
-                <a:latin typeface="Source Code Pro" panose="020B0509030403020204" pitchFamily="49" charset="0"/>
-              </a:rPr>
-              <a:t>      </a:t>
-            </a:r>
-            <a:r>
-              <a:rPr kumimoji="0" lang="en-US" altLang="en-US" sz="1800" b="0" i="0" u="none" strike="noStrike" cap="none" normalizeH="0" baseline="0" dirty="0">
-                <a:ln>
-                  <a:noFill/>
-                </a:ln>
-                <a:solidFill>
-                  <a:srgbClr val="9876AA"/>
-                </a:solidFill>
-                <a:effectLst/>
-                <a:latin typeface="Source Code Pro" panose="020B0509030403020204" pitchFamily="49" charset="0"/>
-              </a:rPr>
-              <a:t>"value"</a:t>
-            </a:r>
-            <a:r>
-              <a:rPr kumimoji="0" lang="en-US" altLang="en-US" sz="1800" b="0" i="0" u="none" strike="noStrike" cap="none" normalizeH="0" baseline="0" dirty="0">
-                <a:ln>
-                  <a:noFill/>
-                </a:ln>
-                <a:solidFill>
-                  <a:srgbClr val="CC7832"/>
-                </a:solidFill>
-                <a:effectLst/>
-                <a:latin typeface="Source Code Pro" panose="020B0509030403020204" pitchFamily="49" charset="0"/>
-              </a:rPr>
-              <a:t>: </a:t>
-            </a:r>
-            <a:r>
-              <a:rPr kumimoji="0" lang="en-US" altLang="en-US" sz="1800" b="0" i="0" u="none" strike="noStrike" cap="none" normalizeH="0" baseline="0" dirty="0">
-                <a:ln>
-                  <a:noFill/>
-                </a:ln>
-                <a:solidFill>
-                  <a:srgbClr val="A9B7C6"/>
-                </a:solidFill>
-                <a:effectLst/>
-                <a:latin typeface="Source Code Pro" panose="020B0509030403020204" pitchFamily="49" charset="0"/>
-              </a:rPr>
-              <a:t>[</a:t>
-            </a:r>
-            <a:r>
-              <a:rPr kumimoji="0" lang="en-US" altLang="en-US" sz="1800" b="0" i="0" u="none" strike="noStrike" cap="none" normalizeH="0" baseline="0" dirty="0">
-                <a:ln>
-                  <a:noFill/>
-                </a:ln>
-                <a:solidFill>
-                  <a:srgbClr val="6897BB"/>
-                </a:solidFill>
-                <a:effectLst/>
-                <a:latin typeface="Source Code Pro" panose="020B0509030403020204" pitchFamily="49" charset="0"/>
-              </a:rPr>
-              <a:t>1920</a:t>
-            </a:r>
-            <a:r>
-              <a:rPr kumimoji="0" lang="en-US" altLang="en-US" sz="1800" b="0" i="0" u="none" strike="noStrike" cap="none" normalizeH="0" baseline="0" dirty="0">
-                <a:ln>
-                  <a:noFill/>
-                </a:ln>
-                <a:solidFill>
-                  <a:srgbClr val="CC7832"/>
-                </a:solidFill>
-                <a:effectLst/>
-                <a:latin typeface="Source Code Pro" panose="020B0509030403020204" pitchFamily="49" charset="0"/>
-              </a:rPr>
-              <a:t>, </a:t>
-            </a:r>
-            <a:r>
-              <a:rPr kumimoji="0" lang="en-US" altLang="en-US" sz="1800" b="0" i="0" u="none" strike="noStrike" cap="none" normalizeH="0" baseline="0" dirty="0">
-                <a:ln>
-                  <a:noFill/>
-                </a:ln>
-                <a:solidFill>
-                  <a:srgbClr val="6897BB"/>
-                </a:solidFill>
-                <a:effectLst/>
-                <a:latin typeface="Source Code Pro" panose="020B0509030403020204" pitchFamily="49" charset="0"/>
-              </a:rPr>
-              <a:t>1080</a:t>
-            </a:r>
-            <a:r>
-              <a:rPr kumimoji="0" lang="en-US" altLang="en-US" sz="1800" b="0" i="0" u="none" strike="noStrike" cap="none" normalizeH="0" baseline="0" dirty="0">
-                <a:ln>
-                  <a:noFill/>
-                </a:ln>
-                <a:solidFill>
-                  <a:srgbClr val="A9B7C6"/>
-                </a:solidFill>
-                <a:effectLst/>
-                <a:latin typeface="Source Code Pro" panose="020B0509030403020204" pitchFamily="49" charset="0"/>
-              </a:rPr>
-              <a:t>]</a:t>
-            </a:r>
-            <a:r>
-              <a:rPr kumimoji="0" lang="en-US" altLang="en-US" sz="1800" b="0" i="0" u="none" strike="noStrike" cap="none" normalizeH="0" baseline="0" dirty="0">
-                <a:ln>
-                  <a:noFill/>
-                </a:ln>
-                <a:solidFill>
-                  <a:srgbClr val="CC7832"/>
-                </a:solidFill>
-                <a:effectLst/>
-                <a:latin typeface="Source Code Pro" panose="020B0509030403020204" pitchFamily="49" charset="0"/>
-              </a:rPr>
-              <a:t>,   </a:t>
-            </a:r>
-            <a:r>
-              <a:rPr kumimoji="0" lang="en-US" altLang="en-US" sz="1800" b="0" i="0" u="none" strike="noStrike" cap="none" normalizeH="0" baseline="0" dirty="0">
-                <a:ln>
-                  <a:noFill/>
-                </a:ln>
-                <a:solidFill>
-                  <a:srgbClr val="808080"/>
-                </a:solidFill>
-                <a:effectLst/>
-                <a:latin typeface="Source Code Pro" panose="020B0509030403020204" pitchFamily="49" charset="0"/>
-              </a:rPr>
-              <a:t>// Any value supported by JSON</a:t>
-            </a:r>
-            <a:br>
-              <a:rPr kumimoji="0" lang="en-US" altLang="en-US" sz="1800" b="0" i="0" u="none" strike="noStrike" cap="none" normalizeH="0" baseline="0" dirty="0">
-                <a:ln>
-                  <a:noFill/>
-                </a:ln>
-                <a:solidFill>
-                  <a:srgbClr val="808080"/>
-                </a:solidFill>
-                <a:effectLst/>
-                <a:latin typeface="Source Code Pro" panose="020B0509030403020204" pitchFamily="49" charset="0"/>
-              </a:rPr>
-            </a:br>
-            <a:r>
-              <a:rPr kumimoji="0" lang="en-US" altLang="en-US" sz="1800" b="0" i="0" u="none" strike="noStrike" cap="none" normalizeH="0" baseline="0" dirty="0">
-                <a:ln>
-                  <a:noFill/>
-                </a:ln>
-                <a:solidFill>
-                  <a:srgbClr val="808080"/>
-                </a:solidFill>
-                <a:effectLst/>
-                <a:latin typeface="Source Code Pro" panose="020B0509030403020204" pitchFamily="49" charset="0"/>
-              </a:rPr>
-              <a:t>      </a:t>
-            </a:r>
-            <a:r>
-              <a:rPr kumimoji="0" lang="en-US" altLang="en-US" sz="1800" b="0" i="0" u="none" strike="noStrike" cap="none" normalizeH="0" baseline="0" dirty="0">
-                <a:ln>
-                  <a:noFill/>
-                </a:ln>
-                <a:solidFill>
-                  <a:srgbClr val="9876AA"/>
-                </a:solidFill>
-                <a:effectLst/>
-                <a:latin typeface="Source Code Pro" panose="020B0509030403020204" pitchFamily="49" charset="0"/>
-              </a:rPr>
-              <a:t>"default"</a:t>
-            </a:r>
-            <a:r>
-              <a:rPr kumimoji="0" lang="en-US" altLang="en-US" sz="1800" b="0" i="0" u="none" strike="noStrike" cap="none" normalizeH="0" baseline="0" dirty="0">
-                <a:ln>
-                  <a:noFill/>
-                </a:ln>
-                <a:solidFill>
-                  <a:srgbClr val="CC7832"/>
-                </a:solidFill>
-                <a:effectLst/>
-                <a:latin typeface="Source Code Pro" panose="020B0509030403020204" pitchFamily="49" charset="0"/>
-              </a:rPr>
-              <a:t>: </a:t>
-            </a:r>
-            <a:r>
-              <a:rPr kumimoji="0" lang="en-US" altLang="en-US" sz="1800" b="0" i="0" u="none" strike="noStrike" cap="none" normalizeH="0" baseline="0" dirty="0">
-                <a:ln>
-                  <a:noFill/>
-                </a:ln>
-                <a:solidFill>
-                  <a:srgbClr val="A9B7C6"/>
-                </a:solidFill>
-                <a:effectLst/>
-                <a:latin typeface="Source Code Pro" panose="020B0509030403020204" pitchFamily="49" charset="0"/>
-              </a:rPr>
-              <a:t>[</a:t>
-            </a:r>
-            <a:r>
-              <a:rPr kumimoji="0" lang="en-US" altLang="en-US" sz="1800" b="0" i="0" u="none" strike="noStrike" cap="none" normalizeH="0" baseline="0" dirty="0">
-                <a:ln>
-                  <a:noFill/>
-                </a:ln>
-                <a:solidFill>
-                  <a:srgbClr val="6897BB"/>
-                </a:solidFill>
-                <a:effectLst/>
-                <a:latin typeface="Source Code Pro" panose="020B0509030403020204" pitchFamily="49" charset="0"/>
-              </a:rPr>
-              <a:t>1280</a:t>
-            </a:r>
-            <a:r>
-              <a:rPr kumimoji="0" lang="en-US" altLang="en-US" sz="1800" b="0" i="0" u="none" strike="noStrike" cap="none" normalizeH="0" baseline="0" dirty="0">
-                <a:ln>
-                  <a:noFill/>
-                </a:ln>
-                <a:solidFill>
-                  <a:srgbClr val="CC7832"/>
-                </a:solidFill>
-                <a:effectLst/>
-                <a:latin typeface="Source Code Pro" panose="020B0509030403020204" pitchFamily="49" charset="0"/>
-              </a:rPr>
-              <a:t>, </a:t>
-            </a:r>
-            <a:r>
-              <a:rPr kumimoji="0" lang="en-US" altLang="en-US" sz="1800" b="0" i="0" u="none" strike="noStrike" cap="none" normalizeH="0" baseline="0" dirty="0">
-                <a:ln>
-                  <a:noFill/>
-                </a:ln>
-                <a:solidFill>
-                  <a:srgbClr val="6897BB"/>
-                </a:solidFill>
-                <a:effectLst/>
-                <a:latin typeface="Source Code Pro" panose="020B0509030403020204" pitchFamily="49" charset="0"/>
-              </a:rPr>
-              <a:t>720</a:t>
-            </a:r>
-            <a:r>
-              <a:rPr kumimoji="0" lang="en-US" altLang="en-US" sz="1800" b="0" i="0" u="none" strike="noStrike" cap="none" normalizeH="0" baseline="0" dirty="0">
-                <a:ln>
-                  <a:noFill/>
-                </a:ln>
-                <a:solidFill>
-                  <a:srgbClr val="A9B7C6"/>
-                </a:solidFill>
-                <a:effectLst/>
-                <a:latin typeface="Source Code Pro" panose="020B0509030403020204" pitchFamily="49" charset="0"/>
-              </a:rPr>
-              <a:t>]   </a:t>
-            </a:r>
-            <a:r>
-              <a:rPr kumimoji="0" lang="en-US" altLang="en-US" sz="1800" b="0" i="0" u="none" strike="noStrike" cap="none" normalizeH="0" baseline="0" dirty="0">
-                <a:ln>
-                  <a:noFill/>
-                </a:ln>
-                <a:solidFill>
-                  <a:srgbClr val="808080"/>
-                </a:solidFill>
-                <a:effectLst/>
-                <a:latin typeface="Source Code Pro" panose="020B0509030403020204" pitchFamily="49" charset="0"/>
-              </a:rPr>
-              <a:t>// Should be the same type of value</a:t>
-            </a:r>
-            <a:br>
-              <a:rPr kumimoji="0" lang="en-US" altLang="en-US" sz="1800" b="0" i="0" u="none" strike="noStrike" cap="none" normalizeH="0" baseline="0" dirty="0">
-                <a:ln>
-                  <a:noFill/>
-                </a:ln>
-                <a:solidFill>
-                  <a:srgbClr val="808080"/>
-                </a:solidFill>
-                <a:effectLst/>
-                <a:latin typeface="Source Code Pro" panose="020B0509030403020204" pitchFamily="49" charset="0"/>
-              </a:rPr>
-            </a:br>
-            <a:r>
-              <a:rPr kumimoji="0" lang="en-US" altLang="en-US" sz="1800" b="0" i="0" u="none" strike="noStrike" cap="none" normalizeH="0" baseline="0" dirty="0">
-                <a:ln>
-                  <a:noFill/>
-                </a:ln>
-                <a:solidFill>
-                  <a:srgbClr val="808080"/>
-                </a:solidFill>
-                <a:effectLst/>
-                <a:latin typeface="Source Code Pro" panose="020B0509030403020204" pitchFamily="49" charset="0"/>
-              </a:rPr>
-              <a:t>    </a:t>
-            </a:r>
-            <a:r>
-              <a:rPr kumimoji="0" lang="en-US" altLang="en-US" sz="1800" b="0" i="0" u="none" strike="noStrike" cap="none" normalizeH="0" baseline="0" dirty="0">
-                <a:ln>
-                  <a:noFill/>
-                </a:ln>
-                <a:solidFill>
-                  <a:srgbClr val="A9B7C6"/>
-                </a:solidFill>
-                <a:effectLst/>
-                <a:latin typeface="Source Code Pro" panose="020B0509030403020204" pitchFamily="49" charset="0"/>
-              </a:rPr>
-              <a:t>}</a:t>
-            </a:r>
-            <a:br>
-              <a:rPr kumimoji="0" lang="en-US" altLang="en-US" sz="1800" b="0" i="0" u="none" strike="noStrike" cap="none" normalizeH="0" baseline="0" dirty="0">
-                <a:ln>
-                  <a:noFill/>
-                </a:ln>
-                <a:solidFill>
-                  <a:srgbClr val="A9B7C6"/>
-                </a:solidFill>
-                <a:effectLst/>
-                <a:latin typeface="Source Code Pro" panose="020B0509030403020204" pitchFamily="49" charset="0"/>
-              </a:rPr>
-            </a:br>
-            <a:r>
-              <a:rPr kumimoji="0" lang="en-US" altLang="en-US" sz="1800" b="0" i="0" u="none" strike="noStrike" cap="none" normalizeH="0" baseline="0" dirty="0">
-                <a:ln>
-                  <a:noFill/>
-                </a:ln>
-                <a:solidFill>
-                  <a:srgbClr val="A9B7C6"/>
-                </a:solidFill>
-                <a:effectLst/>
-                <a:latin typeface="Source Code Pro" panose="020B0509030403020204" pitchFamily="49" charset="0"/>
-              </a:rPr>
-              <a:t>  }</a:t>
-            </a:r>
-            <a:br>
-              <a:rPr kumimoji="0" lang="en-US" altLang="en-US" sz="1800" b="0" i="0" u="none" strike="noStrike" cap="none" normalizeH="0" baseline="0" dirty="0">
-                <a:ln>
-                  <a:noFill/>
-                </a:ln>
-                <a:solidFill>
-                  <a:srgbClr val="A9B7C6"/>
-                </a:solidFill>
-                <a:effectLst/>
-                <a:latin typeface="Source Code Pro" panose="020B0509030403020204" pitchFamily="49" charset="0"/>
-              </a:rPr>
-            </a:br>
-            <a:r>
-              <a:rPr kumimoji="0" lang="en-US" altLang="en-US" sz="1800" b="0" i="0" u="none" strike="noStrike" cap="none" normalizeH="0" baseline="0" dirty="0">
-                <a:ln>
-                  <a:noFill/>
-                </a:ln>
-                <a:solidFill>
-                  <a:srgbClr val="A9B7C6"/>
-                </a:solidFill>
-                <a:effectLst/>
-                <a:latin typeface="Source Code Pro" panose="020B0509030403020204" pitchFamily="49" charset="0"/>
-              </a:rPr>
-              <a:t>}</a:t>
             </a:r>
           </a:p>
           <a:p>
@@ -6741,15 +5220,579 @@
               </a:spcAft>
               <a:buNone/>
             </a:pPr>
+            <a:r>
+              <a:rPr lang="en-US" altLang="en-US" sz="1800" dirty="0">
+                <a:solidFill>
+                  <a:srgbClr val="A9B7C6"/>
+                </a:solidFill>
+                <a:latin typeface="Source Code Pro" panose="020B0509030403020204" pitchFamily="49" charset="0"/>
+              </a:rPr>
+              <a:t>      {</a:t>
+            </a:r>
+            <a:br>
+              <a:rPr lang="en-US" altLang="en-US" sz="1800" dirty="0">
+                <a:solidFill>
+                  <a:srgbClr val="A9B7C6"/>
+                </a:solidFill>
+                <a:latin typeface="Source Code Pro" panose="020B0509030403020204" pitchFamily="49" charset="0"/>
+              </a:rPr>
+            </a:br>
+            <a:r>
+              <a:rPr lang="en-US" altLang="en-US" sz="1800" dirty="0">
+                <a:solidFill>
+                  <a:srgbClr val="A9B7C6"/>
+                </a:solidFill>
+                <a:latin typeface="Source Code Pro" panose="020B0509030403020204" pitchFamily="49" charset="0"/>
+              </a:rPr>
+              <a:t>        </a:t>
+            </a:r>
+            <a:r>
+              <a:rPr lang="en-US" altLang="en-US" sz="1800" dirty="0">
+                <a:solidFill>
+                  <a:srgbClr val="9876AA"/>
+                </a:solidFill>
+                <a:latin typeface="Source Code Pro" panose="020B0509030403020204" pitchFamily="49" charset="0"/>
+              </a:rPr>
+              <a:t>"date"</a:t>
+            </a:r>
+            <a:r>
+              <a:rPr lang="en-US" altLang="en-US" sz="1800" dirty="0">
+                <a:solidFill>
+                  <a:srgbClr val="CC7832"/>
+                </a:solidFill>
+                <a:latin typeface="Source Code Pro" panose="020B0509030403020204" pitchFamily="49" charset="0"/>
+              </a:rPr>
+              <a:t>: </a:t>
+            </a:r>
+            <a:r>
+              <a:rPr lang="en-US" altLang="en-US" sz="1800" dirty="0">
+                <a:solidFill>
+                  <a:srgbClr val="6A8759"/>
+                </a:solidFill>
+                <a:latin typeface="Source Code Pro" panose="020B0509030403020204" pitchFamily="49" charset="0"/>
+              </a:rPr>
+              <a:t>"%d-%m-%Y %H:%M:%S"</a:t>
+            </a:r>
+            <a:r>
+              <a:rPr lang="en-US" altLang="en-US" sz="1800" dirty="0">
+                <a:solidFill>
+                  <a:srgbClr val="CC7832"/>
+                </a:solidFill>
+                <a:latin typeface="Source Code Pro" panose="020B0509030403020204" pitchFamily="49" charset="0"/>
+              </a:rPr>
+              <a:t>,</a:t>
+            </a:r>
+            <a:br>
+              <a:rPr lang="en-US" altLang="en-US" sz="1800" dirty="0">
+                <a:solidFill>
+                  <a:srgbClr val="CC7832"/>
+                </a:solidFill>
+                <a:latin typeface="Source Code Pro" panose="020B0509030403020204" pitchFamily="49" charset="0"/>
+              </a:rPr>
+            </a:br>
+            <a:r>
+              <a:rPr lang="en-US" altLang="en-US" sz="1800" dirty="0">
+                <a:solidFill>
+                  <a:srgbClr val="CC7832"/>
+                </a:solidFill>
+                <a:latin typeface="Source Code Pro" panose="020B0509030403020204" pitchFamily="49" charset="0"/>
+              </a:rPr>
+              <a:t>        </a:t>
+            </a:r>
+            <a:r>
+              <a:rPr lang="en-US" altLang="en-US" sz="1800" dirty="0">
+                <a:solidFill>
+                  <a:srgbClr val="9876AA"/>
+                </a:solidFill>
+                <a:latin typeface="Source Code Pro" panose="020B0509030403020204" pitchFamily="49" charset="0"/>
+              </a:rPr>
+              <a:t>"progress"</a:t>
+            </a:r>
+            <a:r>
+              <a:rPr lang="en-US" altLang="en-US" sz="1800" dirty="0">
+                <a:solidFill>
+                  <a:srgbClr val="CC7832"/>
+                </a:solidFill>
+                <a:latin typeface="Source Code Pro" panose="020B0509030403020204" pitchFamily="49" charset="0"/>
+              </a:rPr>
+              <a:t>: </a:t>
+            </a:r>
+            <a:r>
+              <a:rPr lang="en-US" altLang="en-US" sz="1800" dirty="0">
+                <a:solidFill>
+                  <a:srgbClr val="6897BB"/>
+                </a:solidFill>
+                <a:latin typeface="Source Code Pro" panose="020B0509030403020204" pitchFamily="49" charset="0"/>
+              </a:rPr>
+              <a:t>5</a:t>
+            </a:r>
+            <a:br>
+              <a:rPr lang="en-US" altLang="en-US" sz="1800" dirty="0">
+                <a:solidFill>
+                  <a:srgbClr val="6897BB"/>
+                </a:solidFill>
+                <a:latin typeface="Source Code Pro" panose="020B0509030403020204" pitchFamily="49" charset="0"/>
+              </a:rPr>
+            </a:br>
+            <a:r>
+              <a:rPr lang="en-US" altLang="en-US" sz="1800" dirty="0">
+                <a:solidFill>
+                  <a:srgbClr val="6897BB"/>
+                </a:solidFill>
+                <a:latin typeface="Source Code Pro" panose="020B0509030403020204" pitchFamily="49" charset="0"/>
+              </a:rPr>
+              <a:t>      </a:t>
+            </a:r>
+            <a:r>
+              <a:rPr lang="en-US" altLang="en-US" sz="1800" dirty="0">
+                <a:solidFill>
+                  <a:srgbClr val="A9B7C6"/>
+                </a:solidFill>
+                <a:latin typeface="Source Code Pro" panose="020B0509030403020204" pitchFamily="49" charset="0"/>
+              </a:rPr>
+              <a:t>}</a:t>
+            </a:r>
+            <a:br>
+              <a:rPr kumimoji="0" lang="en-US" altLang="en-US" sz="1800" b="0" i="0" u="none" strike="noStrike" cap="none" normalizeH="0" baseline="0" dirty="0">
+                <a:ln>
+                  <a:noFill/>
+                </a:ln>
+                <a:solidFill>
+                  <a:srgbClr val="A9B7C6"/>
+                </a:solidFill>
+                <a:effectLst/>
+                <a:latin typeface="Source Code Pro" panose="020B0509030403020204" pitchFamily="49" charset="0"/>
+              </a:rPr>
+            </a:br>
+            <a:r>
+              <a:rPr kumimoji="0" lang="en-US" altLang="en-US" sz="1800" b="0" i="0" u="none" strike="noStrike" cap="none" normalizeH="0" baseline="0" dirty="0">
+                <a:ln>
+                  <a:noFill/>
+                </a:ln>
+                <a:solidFill>
+                  <a:srgbClr val="A9B7C6"/>
+                </a:solidFill>
+                <a:effectLst/>
+                <a:latin typeface="Source Code Pro" panose="020B0509030403020204" pitchFamily="49" charset="0"/>
+              </a:rPr>
+              <a:t>    ]</a:t>
+            </a:r>
+            <a:br>
+              <a:rPr kumimoji="0" lang="en-US" altLang="en-US" sz="1800" b="0" i="0" u="none" strike="noStrike" cap="none" normalizeH="0" baseline="0" dirty="0">
+                <a:ln>
+                  <a:noFill/>
+                </a:ln>
+                <a:solidFill>
+                  <a:srgbClr val="A9B7C6"/>
+                </a:solidFill>
+                <a:effectLst/>
+                <a:latin typeface="Source Code Pro" panose="020B0509030403020204" pitchFamily="49" charset="0"/>
+              </a:rPr>
+            </a:br>
+            <a:r>
+              <a:rPr kumimoji="0" lang="en-US" altLang="en-US" sz="1800" b="0" i="0" u="none" strike="noStrike" cap="none" normalizeH="0" baseline="0" dirty="0">
+                <a:ln>
+                  <a:noFill/>
+                </a:ln>
+                <a:solidFill>
+                  <a:srgbClr val="A9B7C6"/>
+                </a:solidFill>
+                <a:effectLst/>
+                <a:latin typeface="Source Code Pro" panose="020B0509030403020204" pitchFamily="49" charset="0"/>
+              </a:rPr>
+              <a:t>  }</a:t>
+            </a:r>
+            <a:r>
+              <a:rPr lang="en-US" altLang="en-US" sz="1800" dirty="0">
+                <a:solidFill>
+                  <a:srgbClr val="CC7832"/>
+                </a:solidFill>
+                <a:latin typeface="Source Code Pro" panose="020B0509030403020204" pitchFamily="49" charset="0"/>
+              </a:rPr>
+              <a:t>,</a:t>
+            </a:r>
             <a:endParaRPr kumimoji="0" lang="en-US" altLang="en-US" sz="1800" b="0" i="0" u="none" strike="noStrike" cap="none" normalizeH="0" baseline="0" dirty="0">
               <a:ln>
                 <a:noFill/>
               </a:ln>
               <a:solidFill>
-                <a:schemeClr val="tx1"/>
+                <a:srgbClr val="A9B7C6"/>
               </a:solidFill>
               <a:effectLst/>
-              <a:latin typeface="Arial" panose="020B0604020202020204" pitchFamily="34" charset="0"/>
+              <a:latin typeface="Source Code Pro" panose="020B0509030403020204" pitchFamily="49" charset="0"/>
+            </a:endParaRPr>
+          </a:p>
+          <a:p>
+            <a:pPr marL="0" lvl="0" indent="0" eaLnBrk="0" fontAlgn="base" hangingPunct="0">
+              <a:lnSpc>
+                <a:spcPct val="100000"/>
+              </a:lnSpc>
+              <a:spcBef>
+                <a:spcPct val="0"/>
+              </a:spcBef>
+              <a:spcAft>
+                <a:spcPct val="0"/>
+              </a:spcAft>
+              <a:buNone/>
+            </a:pPr>
+            <a:r>
+              <a:rPr lang="en-US" altLang="en-US" sz="1800" dirty="0">
+                <a:solidFill>
+                  <a:srgbClr val="A9B7C6"/>
+                </a:solidFill>
+                <a:latin typeface="Source Code Pro" panose="020B0509030403020204" pitchFamily="49" charset="0"/>
+              </a:rPr>
+              <a:t>  </a:t>
+            </a:r>
+            <a:r>
+              <a:rPr lang="en-US" altLang="en-US" sz="1800" dirty="0">
+                <a:solidFill>
+                  <a:srgbClr val="9876AA"/>
+                </a:solidFill>
+                <a:latin typeface="Source Code Pro" panose="020B0509030403020204" pitchFamily="49" charset="0"/>
+              </a:rPr>
+              <a:t>"username2"</a:t>
+            </a:r>
+            <a:r>
+              <a:rPr lang="en-US" altLang="en-US" sz="1800" dirty="0">
+                <a:solidFill>
+                  <a:srgbClr val="CC7832"/>
+                </a:solidFill>
+                <a:latin typeface="Source Code Pro" panose="020B0509030403020204" pitchFamily="49" charset="0"/>
+              </a:rPr>
+              <a:t>: </a:t>
+            </a:r>
+            <a:r>
+              <a:rPr lang="en-US" altLang="en-US" sz="1800" dirty="0">
+                <a:solidFill>
+                  <a:srgbClr val="A9B7C6"/>
+                </a:solidFill>
+                <a:latin typeface="Source Code Pro" panose="020B0509030403020204" pitchFamily="49" charset="0"/>
+              </a:rPr>
+              <a:t>{</a:t>
+            </a:r>
+          </a:p>
+          <a:p>
+            <a:pPr marL="0" lvl="0" indent="0" eaLnBrk="0" fontAlgn="base" hangingPunct="0">
+              <a:lnSpc>
+                <a:spcPct val="100000"/>
+              </a:lnSpc>
+              <a:spcBef>
+                <a:spcPct val="0"/>
+              </a:spcBef>
+              <a:spcAft>
+                <a:spcPct val="0"/>
+              </a:spcAft>
+              <a:buNone/>
+            </a:pPr>
+            <a:r>
+              <a:rPr lang="en-US" altLang="en-US" sz="1800" dirty="0">
+                <a:solidFill>
+                  <a:srgbClr val="9876AA"/>
+                </a:solidFill>
+                <a:latin typeface="Source Code Pro" panose="020B0509030403020204" pitchFamily="49" charset="0"/>
+              </a:rPr>
+              <a:t>    "password"</a:t>
+            </a:r>
+            <a:r>
+              <a:rPr lang="en-US" altLang="en-US" sz="1800" dirty="0">
+                <a:solidFill>
+                  <a:srgbClr val="CC7832"/>
+                </a:solidFill>
+                <a:latin typeface="Source Code Pro" panose="020B0509030403020204" pitchFamily="49" charset="0"/>
+              </a:rPr>
+              <a:t>: </a:t>
+            </a:r>
+            <a:r>
+              <a:rPr lang="en-US" altLang="en-US" sz="1800" dirty="0">
+                <a:solidFill>
+                  <a:srgbClr val="6A8759"/>
+                </a:solidFill>
+                <a:latin typeface="Source Code Pro" panose="020B0509030403020204" pitchFamily="49" charset="0"/>
+              </a:rPr>
+              <a:t>"password"</a:t>
+            </a:r>
+            <a:r>
+              <a:rPr lang="en-US" altLang="en-US" sz="1800" dirty="0">
+                <a:solidFill>
+                  <a:srgbClr val="CC7832"/>
+                </a:solidFill>
+                <a:latin typeface="Source Code Pro" panose="020B0509030403020204" pitchFamily="49" charset="0"/>
+              </a:rPr>
+              <a:t>,</a:t>
+            </a:r>
+            <a:br>
+              <a:rPr lang="en-US" altLang="en-US" sz="1800" dirty="0">
+                <a:solidFill>
+                  <a:srgbClr val="CC7832"/>
+                </a:solidFill>
+                <a:latin typeface="Source Code Pro" panose="020B0509030403020204" pitchFamily="49" charset="0"/>
+              </a:rPr>
+            </a:br>
+            <a:r>
+              <a:rPr lang="en-US" altLang="en-US" sz="1800" dirty="0">
+                <a:solidFill>
+                  <a:srgbClr val="CC7832"/>
+                </a:solidFill>
+                <a:latin typeface="Source Code Pro" panose="020B0509030403020204" pitchFamily="49" charset="0"/>
+              </a:rPr>
+              <a:t>    </a:t>
+            </a:r>
+            <a:r>
+              <a:rPr lang="en-US" altLang="en-US" sz="1800" dirty="0">
+                <a:solidFill>
+                  <a:srgbClr val="9876AA"/>
+                </a:solidFill>
+                <a:latin typeface="Source Code Pro" panose="020B0509030403020204" pitchFamily="49" charset="0"/>
+              </a:rPr>
+              <a:t>"logins"</a:t>
+            </a:r>
+            <a:r>
+              <a:rPr lang="en-US" altLang="en-US" sz="1800" dirty="0">
+                <a:solidFill>
+                  <a:srgbClr val="CC7832"/>
+                </a:solidFill>
+                <a:latin typeface="Source Code Pro" panose="020B0509030403020204" pitchFamily="49" charset="0"/>
+              </a:rPr>
+              <a:t>: </a:t>
+            </a:r>
+            <a:r>
+              <a:rPr lang="en-US" altLang="en-US" sz="1800" dirty="0">
+                <a:solidFill>
+                  <a:srgbClr val="A9B7C6"/>
+                </a:solidFill>
+                <a:latin typeface="Source Code Pro" panose="020B0509030403020204" pitchFamily="49" charset="0"/>
+              </a:rPr>
+              <a:t>[</a:t>
+            </a:r>
+            <a:br>
+              <a:rPr lang="en-US" altLang="en-US" sz="1800" dirty="0">
+                <a:solidFill>
+                  <a:srgbClr val="A9B7C6"/>
+                </a:solidFill>
+                <a:latin typeface="Source Code Pro" panose="020B0509030403020204" pitchFamily="49" charset="0"/>
+              </a:rPr>
+            </a:br>
+            <a:r>
+              <a:rPr lang="en-US" altLang="en-US" sz="1800" dirty="0">
+                <a:solidFill>
+                  <a:srgbClr val="A9B7C6"/>
+                </a:solidFill>
+                <a:latin typeface="Source Code Pro" panose="020B0509030403020204" pitchFamily="49" charset="0"/>
+              </a:rPr>
+              <a:t>      {</a:t>
+            </a:r>
+            <a:br>
+              <a:rPr lang="en-US" altLang="en-US" sz="1800" dirty="0">
+                <a:solidFill>
+                  <a:srgbClr val="A9B7C6"/>
+                </a:solidFill>
+                <a:latin typeface="Source Code Pro" panose="020B0509030403020204" pitchFamily="49" charset="0"/>
+              </a:rPr>
+            </a:br>
+            <a:r>
+              <a:rPr lang="en-US" altLang="en-US" sz="1800" dirty="0">
+                <a:solidFill>
+                  <a:srgbClr val="A9B7C6"/>
+                </a:solidFill>
+                <a:latin typeface="Source Code Pro" panose="020B0509030403020204" pitchFamily="49" charset="0"/>
+              </a:rPr>
+              <a:t>        </a:t>
+            </a:r>
+            <a:r>
+              <a:rPr lang="en-US" altLang="en-US" sz="1800" dirty="0">
+                <a:solidFill>
+                  <a:srgbClr val="9876AA"/>
+                </a:solidFill>
+                <a:latin typeface="Source Code Pro" panose="020B0509030403020204" pitchFamily="49" charset="0"/>
+              </a:rPr>
+              <a:t>"date"</a:t>
+            </a:r>
+            <a:r>
+              <a:rPr lang="en-US" altLang="en-US" sz="1800" dirty="0">
+                <a:solidFill>
+                  <a:srgbClr val="CC7832"/>
+                </a:solidFill>
+                <a:latin typeface="Source Code Pro" panose="020B0509030403020204" pitchFamily="49" charset="0"/>
+              </a:rPr>
+              <a:t>: </a:t>
+            </a:r>
+            <a:r>
+              <a:rPr lang="en-US" altLang="en-US" sz="1800" dirty="0">
+                <a:solidFill>
+                  <a:srgbClr val="6A8759"/>
+                </a:solidFill>
+                <a:latin typeface="Source Code Pro" panose="020B0509030403020204" pitchFamily="49" charset="0"/>
+              </a:rPr>
+              <a:t>"%d-%m-%Y %H:%M:%S"</a:t>
+            </a:r>
+            <a:r>
+              <a:rPr lang="en-US" altLang="en-US" sz="1800" dirty="0">
+                <a:solidFill>
+                  <a:srgbClr val="CC7832"/>
+                </a:solidFill>
+                <a:latin typeface="Source Code Pro" panose="020B0509030403020204" pitchFamily="49" charset="0"/>
+              </a:rPr>
+              <a:t>,</a:t>
+            </a:r>
+            <a:br>
+              <a:rPr lang="en-US" altLang="en-US" sz="1800" dirty="0">
+                <a:solidFill>
+                  <a:srgbClr val="CC7832"/>
+                </a:solidFill>
+                <a:latin typeface="Source Code Pro" panose="020B0509030403020204" pitchFamily="49" charset="0"/>
+              </a:rPr>
+            </a:br>
+            <a:r>
+              <a:rPr lang="en-US" altLang="en-US" sz="1800" dirty="0">
+                <a:solidFill>
+                  <a:srgbClr val="CC7832"/>
+                </a:solidFill>
+                <a:latin typeface="Source Code Pro" panose="020B0509030403020204" pitchFamily="49" charset="0"/>
+              </a:rPr>
+              <a:t>        </a:t>
+            </a:r>
+            <a:r>
+              <a:rPr lang="en-US" altLang="en-US" sz="1800" dirty="0">
+                <a:solidFill>
+                  <a:srgbClr val="9876AA"/>
+                </a:solidFill>
+                <a:latin typeface="Source Code Pro" panose="020B0509030403020204" pitchFamily="49" charset="0"/>
+              </a:rPr>
+              <a:t>"progress"</a:t>
+            </a:r>
+            <a:r>
+              <a:rPr lang="en-US" altLang="en-US" sz="1800" dirty="0">
+                <a:solidFill>
+                  <a:srgbClr val="CC7832"/>
+                </a:solidFill>
+                <a:latin typeface="Source Code Pro" panose="020B0509030403020204" pitchFamily="49" charset="0"/>
+              </a:rPr>
+              <a:t>: </a:t>
+            </a:r>
+            <a:r>
+              <a:rPr lang="en-US" altLang="en-US" sz="1800" dirty="0">
+                <a:solidFill>
+                  <a:srgbClr val="6897BB"/>
+                </a:solidFill>
+                <a:latin typeface="Source Code Pro" panose="020B0509030403020204" pitchFamily="49" charset="0"/>
+              </a:rPr>
+              <a:t>3</a:t>
+            </a:r>
+            <a:br>
+              <a:rPr lang="en-US" altLang="en-US" sz="1800" dirty="0">
+                <a:solidFill>
+                  <a:srgbClr val="6897BB"/>
+                </a:solidFill>
+                <a:latin typeface="Source Code Pro" panose="020B0509030403020204" pitchFamily="49" charset="0"/>
+              </a:rPr>
+            </a:br>
+            <a:r>
+              <a:rPr lang="en-US" altLang="en-US" sz="1800" dirty="0">
+                <a:solidFill>
+                  <a:srgbClr val="6897BB"/>
+                </a:solidFill>
+                <a:latin typeface="Source Code Pro" panose="020B0509030403020204" pitchFamily="49" charset="0"/>
+              </a:rPr>
+              <a:t>      </a:t>
+            </a:r>
+            <a:r>
+              <a:rPr lang="en-US" altLang="en-US" sz="1800" dirty="0">
+                <a:solidFill>
+                  <a:srgbClr val="A9B7C6"/>
+                </a:solidFill>
+                <a:latin typeface="Source Code Pro" panose="020B0509030403020204" pitchFamily="49" charset="0"/>
+              </a:rPr>
+              <a:t>}</a:t>
+            </a:r>
+            <a:br>
+              <a:rPr lang="en-US" altLang="en-US" sz="1800" dirty="0">
+                <a:solidFill>
+                  <a:srgbClr val="A9B7C6"/>
+                </a:solidFill>
+                <a:latin typeface="Source Code Pro" panose="020B0509030403020204" pitchFamily="49" charset="0"/>
+              </a:rPr>
+            </a:br>
+            <a:r>
+              <a:rPr lang="en-US" altLang="en-US" sz="1800" dirty="0">
+                <a:solidFill>
+                  <a:srgbClr val="A9B7C6"/>
+                </a:solidFill>
+                <a:latin typeface="Source Code Pro" panose="020B0509030403020204" pitchFamily="49" charset="0"/>
+              </a:rPr>
+              <a:t>    ]</a:t>
+            </a:r>
+          </a:p>
+          <a:p>
+            <a:pPr marL="0" lvl="0" indent="0" eaLnBrk="0" fontAlgn="base" hangingPunct="0">
+              <a:lnSpc>
+                <a:spcPct val="100000"/>
+              </a:lnSpc>
+              <a:spcBef>
+                <a:spcPct val="0"/>
+              </a:spcBef>
+              <a:spcAft>
+                <a:spcPct val="0"/>
+              </a:spcAft>
+              <a:buNone/>
+            </a:pPr>
+            <a:r>
+              <a:rPr lang="en-US" altLang="en-US" sz="1800" dirty="0">
+                <a:solidFill>
+                  <a:srgbClr val="A9B7C6"/>
+                </a:solidFill>
+                <a:latin typeface="Source Code Pro" panose="020B0509030403020204" pitchFamily="49" charset="0"/>
+              </a:rPr>
+              <a:t>  }</a:t>
+            </a:r>
+            <a:br>
+              <a:rPr kumimoji="0" lang="en-US" altLang="en-US" sz="1800" b="0" i="0" u="none" strike="noStrike" cap="none" normalizeH="0" baseline="0" dirty="0">
+                <a:ln>
+                  <a:noFill/>
+                </a:ln>
+                <a:solidFill>
+                  <a:srgbClr val="A9B7C6"/>
+                </a:solidFill>
+                <a:effectLst/>
+                <a:latin typeface="Source Code Pro" panose="020B0509030403020204" pitchFamily="49" charset="0"/>
+              </a:rPr>
+            </a:br>
+            <a:r>
+              <a:rPr kumimoji="0" lang="en-US" altLang="en-US" sz="1800" b="0" i="0" u="none" strike="noStrike" cap="none" normalizeH="0" baseline="0" dirty="0">
+                <a:ln>
+                  <a:noFill/>
+                </a:ln>
+                <a:solidFill>
+                  <a:srgbClr val="A9B7C6"/>
+                </a:solidFill>
+                <a:effectLst/>
+                <a:latin typeface="Source Code Pro" panose="020B0509030403020204" pitchFamily="49" charset="0"/>
+              </a:rPr>
+              <a:t>}</a:t>
+            </a:r>
+          </a:p>
+          <a:p>
+            <a:pPr marL="0" lvl="0" indent="0" eaLnBrk="0" fontAlgn="base" hangingPunct="0">
+              <a:lnSpc>
+                <a:spcPct val="100000"/>
+              </a:lnSpc>
+              <a:spcBef>
+                <a:spcPct val="0"/>
+              </a:spcBef>
+              <a:spcAft>
+                <a:spcPct val="0"/>
+              </a:spcAft>
+              <a:buNone/>
+            </a:pPr>
+            <a:endParaRPr kumimoji="0" lang="en-US" altLang="en-US" sz="1800" b="0" i="0" u="none" strike="noStrike" cap="none" normalizeH="0" baseline="0" dirty="0">
+              <a:ln>
+                <a:noFill/>
+              </a:ln>
+              <a:solidFill>
+                <a:srgbClr val="A9B7C6"/>
+              </a:solidFill>
+              <a:effectLst/>
+              <a:latin typeface="Source Code Pro" panose="020B0509030403020204" pitchFamily="49" charset="0"/>
             </a:endParaRPr>
           </a:p>
         </p:txBody>
